--- a/pre.pptx
+++ b/pre.pptx
@@ -3,37 +3,37 @@
 <p:presentation xmlns:a="http://schemas.openxmlformats.org/drawingml/2006/main" xmlns:r="http://schemas.openxmlformats.org/officeDocument/2006/relationships" xmlns:p="http://schemas.openxmlformats.org/presentationml/2006/main" autoCompressPictures="0">
   <p:sldMasterIdLst>
     <p:sldMasterId id="2147483648" r:id="rId1"/>
-    <p:sldMasterId id="2147483657" r:id="rId3"/>
+    <p:sldMasterId id="2147483657" r:id="rId2"/>
   </p:sldMasterIdLst>
   <p:notesMasterIdLst>
-    <p:notesMasterId r:id="rId5"/>
+    <p:notesMasterId r:id="rId23"/>
   </p:notesMasterIdLst>
   <p:sldIdLst>
-    <p:sldId id="283" r:id="rId4"/>
-    <p:sldId id="285" r:id="rId6"/>
-    <p:sldId id="305" r:id="rId7"/>
-    <p:sldId id="286" r:id="rId8"/>
-    <p:sldId id="298" r:id="rId9"/>
-    <p:sldId id="299" r:id="rId10"/>
-    <p:sldId id="307" r:id="rId11"/>
-    <p:sldId id="287" r:id="rId12"/>
-    <p:sldId id="267" r:id="rId13"/>
-    <p:sldId id="288" r:id="rId14"/>
-    <p:sldId id="271" r:id="rId15"/>
-    <p:sldId id="289" r:id="rId16"/>
-    <p:sldId id="322" r:id="rId17"/>
-    <p:sldId id="290" r:id="rId18"/>
-    <p:sldId id="275" r:id="rId19"/>
-    <p:sldId id="303" r:id="rId20"/>
-    <p:sldId id="304" r:id="rId21"/>
-    <p:sldId id="308" r:id="rId22"/>
-    <p:sldId id="309" r:id="rId23"/>
-    <p:sldId id="291" r:id="rId24"/>
+    <p:sldId id="283" r:id="rId3"/>
+    <p:sldId id="285" r:id="rId4"/>
+    <p:sldId id="305" r:id="rId5"/>
+    <p:sldId id="286" r:id="rId6"/>
+    <p:sldId id="298" r:id="rId7"/>
+    <p:sldId id="299" r:id="rId8"/>
+    <p:sldId id="307" r:id="rId9"/>
+    <p:sldId id="287" r:id="rId10"/>
+    <p:sldId id="267" r:id="rId11"/>
+    <p:sldId id="288" r:id="rId12"/>
+    <p:sldId id="271" r:id="rId13"/>
+    <p:sldId id="289" r:id="rId14"/>
+    <p:sldId id="322" r:id="rId15"/>
+    <p:sldId id="290" r:id="rId16"/>
+    <p:sldId id="275" r:id="rId17"/>
+    <p:sldId id="303" r:id="rId18"/>
+    <p:sldId id="304" r:id="rId19"/>
+    <p:sldId id="308" r:id="rId20"/>
+    <p:sldId id="309" r:id="rId21"/>
+    <p:sldId id="291" r:id="rId22"/>
   </p:sldIdLst>
   <p:sldSz cx="12192000" cy="6858000"/>
   <p:notesSz cx="6858000" cy="9144000"/>
   <p:custDataLst>
-    <p:tags r:id="rId28"/>
+    <p:tags r:id="rId24"/>
   </p:custDataLst>
   <p:defaultTextStyle>
     <a:defPPr>
@@ -130,6 +130,14 @@
       </a:defRPr>
     </a:lvl9pPr>
   </p:defaultTextStyle>
+  <p:extLst>
+    <p:ext uri="{EFAFB233-063F-42B5-8137-9DF3F51BA10A}">
+      <p15:sldGuideLst xmlns:p15="http://schemas.microsoft.com/office/powerpoint/2012/main"/>
+    </p:ext>
+    <p:ext uri="{2D200454-40CA-4A62-9FC3-DE9A4176ACB9}">
+      <p15:notesGuideLst xmlns:p15="http://schemas.microsoft.com/office/powerpoint/2012/main"/>
+    </p:ext>
+  </p:extLst>
 </p:presentation>
 </file>
 
@@ -215,6 +223,7 @@
           <a:p>
             <a:fld id="{3E6E1E63-6347-BD4F-A808-7F54FA34CE72}" type="datetimeFigureOut">
               <a:rPr kumimoji="1" lang="zh-CN" altLang="en-US" smtClean="0"/>
+              <a:t>2024/1/29</a:t>
             </a:fld>
             <a:endParaRPr kumimoji="1" lang="zh-CN" altLang="en-US"/>
           </a:p>
@@ -281,7 +290,6 @@
               <a:rPr kumimoji="1" lang="zh-CN" altLang="en-US"/>
               <a:t>单击此处编辑母版文本样式</a:t>
             </a:r>
-            <a:endParaRPr kumimoji="1" lang="zh-CN" altLang="en-US"/>
           </a:p>
           <a:p>
             <a:pPr lvl="1"/>
@@ -289,7 +297,6 @@
               <a:rPr kumimoji="1" lang="zh-CN" altLang="en-US"/>
               <a:t>二级</a:t>
             </a:r>
-            <a:endParaRPr kumimoji="1" lang="zh-CN" altLang="en-US"/>
           </a:p>
           <a:p>
             <a:pPr lvl="2"/>
@@ -297,7 +304,6 @@
               <a:rPr kumimoji="1" lang="zh-CN" altLang="en-US"/>
               <a:t>三级</a:t>
             </a:r>
-            <a:endParaRPr kumimoji="1" lang="zh-CN" altLang="en-US"/>
           </a:p>
           <a:p>
             <a:pPr lvl="3"/>
@@ -305,7 +311,6 @@
               <a:rPr kumimoji="1" lang="zh-CN" altLang="en-US"/>
               <a:t>四级</a:t>
             </a:r>
-            <a:endParaRPr kumimoji="1" lang="zh-CN" altLang="en-US"/>
           </a:p>
           <a:p>
             <a:pPr lvl="4"/>
@@ -313,7 +318,6 @@
               <a:rPr kumimoji="1" lang="zh-CN" altLang="en-US"/>
               <a:t>五级</a:t>
             </a:r>
-            <a:endParaRPr kumimoji="1" lang="zh-CN" altLang="en-US"/>
           </a:p>
         </p:txBody>
       </p:sp>
@@ -377,6 +381,7 @@
           <a:p>
             <a:fld id="{211EDE8F-5748-564A-B104-45C8D6344219}" type="slidenum">
               <a:rPr kumimoji="1" lang="zh-CN" altLang="en-US" smtClean="0"/>
+              <a:t>‹#›</a:t>
             </a:fld>
             <a:endParaRPr kumimoji="1" lang="zh-CN" altLang="en-US"/>
           </a:p>
@@ -545,6 +550,7 @@
           <a:p>
             <a:fld id="{211EDE8F-5748-564A-B104-45C8D6344219}" type="slidenum">
               <a:rPr kumimoji="1" lang="zh-CN" altLang="en-US" smtClean="0"/>
+              <a:t>1</a:t>
             </a:fld>
             <a:endParaRPr kumimoji="1" lang="zh-CN" altLang="en-US"/>
           </a:p>
@@ -623,6 +629,7 @@
           <a:p>
             <a:fld id="{211EDE8F-5748-564A-B104-45C8D6344219}" type="slidenum">
               <a:rPr kumimoji="1" lang="zh-CN" altLang="en-US" smtClean="0"/>
+              <a:t>10</a:t>
             </a:fld>
             <a:endParaRPr kumimoji="1" lang="zh-CN" altLang="en-US"/>
           </a:p>
@@ -701,6 +708,7 @@
           <a:p>
             <a:fld id="{211EDE8F-5748-564A-B104-45C8D6344219}" type="slidenum">
               <a:rPr kumimoji="1" lang="zh-CN" altLang="en-US" smtClean="0"/>
+              <a:t>11</a:t>
             </a:fld>
             <a:endParaRPr kumimoji="1" lang="zh-CN" altLang="en-US"/>
           </a:p>
@@ -779,6 +787,7 @@
           <a:p>
             <a:fld id="{211EDE8F-5748-564A-B104-45C8D6344219}" type="slidenum">
               <a:rPr kumimoji="1" lang="zh-CN" altLang="en-US" smtClean="0"/>
+              <a:t>12</a:t>
             </a:fld>
             <a:endParaRPr kumimoji="1" lang="zh-CN" altLang="en-US"/>
           </a:p>
@@ -857,6 +866,7 @@
           <a:p>
             <a:fld id="{211EDE8F-5748-564A-B104-45C8D6344219}" type="slidenum">
               <a:rPr kumimoji="1" lang="zh-CN" altLang="en-US" smtClean="0"/>
+              <a:t>14</a:t>
             </a:fld>
             <a:endParaRPr kumimoji="1" lang="zh-CN" altLang="en-US"/>
           </a:p>
@@ -935,6 +945,7 @@
           <a:p>
             <a:fld id="{211EDE8F-5748-564A-B104-45C8D6344219}" type="slidenum">
               <a:rPr kumimoji="1" lang="zh-CN" altLang="en-US" smtClean="0"/>
+              <a:t>15</a:t>
             </a:fld>
             <a:endParaRPr kumimoji="1" lang="zh-CN" altLang="en-US"/>
           </a:p>
@@ -1013,6 +1024,7 @@
           <a:p>
             <a:fld id="{211EDE8F-5748-564A-B104-45C8D6344219}" type="slidenum">
               <a:rPr kumimoji="1" lang="zh-CN" altLang="en-US" smtClean="0"/>
+              <a:t>16</a:t>
             </a:fld>
             <a:endParaRPr kumimoji="1" lang="zh-CN" altLang="en-US"/>
           </a:p>
@@ -1091,6 +1103,7 @@
           <a:p>
             <a:fld id="{211EDE8F-5748-564A-B104-45C8D6344219}" type="slidenum">
               <a:rPr kumimoji="1" lang="zh-CN" altLang="en-US" smtClean="0"/>
+              <a:t>17</a:t>
             </a:fld>
             <a:endParaRPr kumimoji="1" lang="zh-CN" altLang="en-US"/>
           </a:p>
@@ -1169,6 +1182,7 @@
           <a:p>
             <a:fld id="{211EDE8F-5748-564A-B104-45C8D6344219}" type="slidenum">
               <a:rPr kumimoji="1" lang="zh-CN" altLang="en-US" smtClean="0"/>
+              <a:t>18</a:t>
             </a:fld>
             <a:endParaRPr kumimoji="1" lang="zh-CN" altLang="en-US"/>
           </a:p>
@@ -1247,6 +1261,7 @@
           <a:p>
             <a:fld id="{211EDE8F-5748-564A-B104-45C8D6344219}" type="slidenum">
               <a:rPr kumimoji="1" lang="zh-CN" altLang="en-US" smtClean="0"/>
+              <a:t>19</a:t>
             </a:fld>
             <a:endParaRPr kumimoji="1" lang="zh-CN" altLang="en-US"/>
           </a:p>
@@ -1325,6 +1340,7 @@
           <a:p>
             <a:fld id="{211EDE8F-5748-564A-B104-45C8D6344219}" type="slidenum">
               <a:rPr kumimoji="1" lang="zh-CN" altLang="en-US" smtClean="0"/>
+              <a:t>20</a:t>
             </a:fld>
             <a:endParaRPr kumimoji="1" lang="zh-CN" altLang="en-US"/>
           </a:p>
@@ -1403,6 +1419,7 @@
           <a:p>
             <a:fld id="{211EDE8F-5748-564A-B104-45C8D6344219}" type="slidenum">
               <a:rPr kumimoji="1" lang="zh-CN" altLang="en-US" smtClean="0"/>
+              <a:t>2</a:t>
             </a:fld>
             <a:endParaRPr kumimoji="1" lang="zh-CN" altLang="en-US"/>
           </a:p>
@@ -1481,6 +1498,7 @@
           <a:p>
             <a:fld id="{211EDE8F-5748-564A-B104-45C8D6344219}" type="slidenum">
               <a:rPr kumimoji="1" lang="zh-CN" altLang="en-US" smtClean="0"/>
+              <a:t>3</a:t>
             </a:fld>
             <a:endParaRPr kumimoji="1" lang="zh-CN" altLang="en-US"/>
           </a:p>
@@ -1559,6 +1577,7 @@
           <a:p>
             <a:fld id="{211EDE8F-5748-564A-B104-45C8D6344219}" type="slidenum">
               <a:rPr kumimoji="1" lang="zh-CN" altLang="en-US" smtClean="0"/>
+              <a:t>4</a:t>
             </a:fld>
             <a:endParaRPr kumimoji="1" lang="zh-CN" altLang="en-US"/>
           </a:p>
@@ -1637,6 +1656,7 @@
           <a:p>
             <a:fld id="{211EDE8F-5748-564A-B104-45C8D6344219}" type="slidenum">
               <a:rPr kumimoji="1" lang="zh-CN" altLang="en-US" smtClean="0"/>
+              <a:t>5</a:t>
             </a:fld>
             <a:endParaRPr kumimoji="1" lang="zh-CN" altLang="en-US"/>
           </a:p>
@@ -1715,6 +1735,7 @@
           <a:p>
             <a:fld id="{211EDE8F-5748-564A-B104-45C8D6344219}" type="slidenum">
               <a:rPr kumimoji="1" lang="zh-CN" altLang="en-US" smtClean="0"/>
+              <a:t>6</a:t>
             </a:fld>
             <a:endParaRPr kumimoji="1" lang="zh-CN" altLang="en-US"/>
           </a:p>
@@ -1793,6 +1814,7 @@
           <a:p>
             <a:fld id="{211EDE8F-5748-564A-B104-45C8D6344219}" type="slidenum">
               <a:rPr kumimoji="1" lang="zh-CN" altLang="en-US" smtClean="0"/>
+              <a:t>7</a:t>
             </a:fld>
             <a:endParaRPr kumimoji="1" lang="zh-CN" altLang="en-US"/>
           </a:p>
@@ -1871,6 +1893,7 @@
           <a:p>
             <a:fld id="{211EDE8F-5748-564A-B104-45C8D6344219}" type="slidenum">
               <a:rPr kumimoji="1" lang="zh-CN" altLang="en-US" smtClean="0"/>
+              <a:t>8</a:t>
             </a:fld>
             <a:endParaRPr kumimoji="1" lang="zh-CN" altLang="en-US"/>
           </a:p>
@@ -1949,6 +1972,7 @@
           <a:p>
             <a:fld id="{211EDE8F-5748-564A-B104-45C8D6344219}" type="slidenum">
               <a:rPr kumimoji="1" lang="zh-CN" altLang="en-US" smtClean="0"/>
+              <a:t>9</a:t>
             </a:fld>
             <a:endParaRPr kumimoji="1" lang="zh-CN" altLang="en-US"/>
           </a:p>
@@ -2184,7 +2208,6 @@
               <a:rPr kumimoji="1" lang="zh-CN" altLang="en-US"/>
               <a:t>单击此处编辑母版文本样式</a:t>
             </a:r>
-            <a:endParaRPr kumimoji="1" lang="zh-CN" altLang="en-US"/>
           </a:p>
         </p:txBody>
       </p:sp>
@@ -2228,7 +2251,6 @@
               <a:rPr kumimoji="1" lang="zh-CN" altLang="en-US"/>
               <a:t>单击此处编辑母版文本样式</a:t>
             </a:r>
-            <a:endParaRPr kumimoji="1" lang="zh-CN" altLang="en-US"/>
           </a:p>
         </p:txBody>
       </p:sp>
@@ -2269,7 +2291,6 @@
               <a:rPr kumimoji="1" lang="zh-CN" altLang="en-US"/>
               <a:t>单击此处编辑母版文本样式</a:t>
             </a:r>
-            <a:endParaRPr kumimoji="1" lang="zh-CN" altLang="en-US"/>
           </a:p>
         </p:txBody>
       </p:sp>
@@ -2313,7 +2334,6 @@
               <a:rPr kumimoji="1" lang="zh-CN" altLang="en-US"/>
               <a:t>单击此处编辑母版文本样式</a:t>
             </a:r>
-            <a:endParaRPr kumimoji="1" lang="zh-CN" altLang="en-US"/>
           </a:p>
         </p:txBody>
       </p:sp>
@@ -2322,14 +2342,6 @@
   <p:clrMapOvr>
     <a:masterClrMapping/>
   </p:clrMapOvr>
-  <mc:AlternateContent xmlns:mc="http://schemas.openxmlformats.org/markup-compatibility/2006">
-    <mc:Choice xmlns:p14="http://schemas.microsoft.com/office/powerpoint/2010/main" Requires="p14">
-      <p:transition spd="slow" p14:dur="2000"/>
-    </mc:Choice>
-    <mc:Fallback>
-      <p:transition spd="slow"/>
-    </mc:Fallback>
-  </mc:AlternateContent>
 </p:sldLayout>
 </file>
 
@@ -2717,14 +2729,6 @@
   <p:clrMapOvr>
     <a:masterClrMapping/>
   </p:clrMapOvr>
-  <mc:AlternateContent xmlns:mc="http://schemas.openxmlformats.org/markup-compatibility/2006">
-    <mc:Choice xmlns:p14="http://schemas.microsoft.com/office/powerpoint/2010/main" Requires="p14">
-      <p:transition spd="slow" p14:dur="2000"/>
-    </mc:Choice>
-    <mc:Fallback>
-      <p:transition spd="slow"/>
-    </mc:Fallback>
-  </mc:AlternateContent>
 </p:sldLayout>
 </file>
 
@@ -3174,14 +3178,6 @@
   <p:clrMapOvr>
     <a:masterClrMapping/>
   </p:clrMapOvr>
-  <mc:AlternateContent xmlns:mc="http://schemas.openxmlformats.org/markup-compatibility/2006">
-    <mc:Choice xmlns:p14="http://schemas.microsoft.com/office/powerpoint/2010/main" Requires="p14">
-      <p:transition spd="slow" p14:dur="2000"/>
-    </mc:Choice>
-    <mc:Fallback>
-      <p:transition spd="slow"/>
-    </mc:Fallback>
-  </mc:AlternateContent>
 </p:sldLayout>
 </file>
 
@@ -3784,6 +3780,137 @@
               </a:rPr>
               <a:t>OneDrive</a:t>
             </a:r>
+          </a:p>
+          <a:p>
+            <a:pPr algn="ctr">
+              <a:lnSpc>
+                <a:spcPct val="140000"/>
+              </a:lnSpc>
+            </a:pPr>
+            <a:r>
+              <a:rPr lang="zh-CN" altLang="en-US" sz="2000" b="1" kern="0">
+                <a:solidFill>
+                  <a:schemeClr val="bg1"/>
+                </a:solidFill>
+                <a:effectLst>
+                  <a:outerShdw blurRad="38100" dist="38100" dir="2700000" algn="tl">
+                    <a:srgbClr val="000000">
+                      <a:alpha val="43137"/>
+                    </a:srgbClr>
+                  </a:outerShdw>
+                </a:effectLst>
+                <a:latin typeface="微软雅黑" panose="020B0503020204020204" pitchFamily="34" charset="-122"/>
+                <a:ea typeface="微软雅黑" panose="020B0503020204020204" pitchFamily="34" charset="-122"/>
+                <a:cs typeface="+mn-ea"/>
+                <a:sym typeface="+mn-lt"/>
+              </a:rPr>
+              <a:t> 「 微软</a:t>
+            </a:r>
+            <a:r>
+              <a:rPr lang="en-US" altLang="zh-CN" sz="2000" b="1" kern="0">
+                <a:solidFill>
+                  <a:schemeClr val="bg1"/>
+                </a:solidFill>
+                <a:effectLst>
+                  <a:outerShdw blurRad="38100" dist="38100" dir="2700000" algn="tl">
+                    <a:srgbClr val="000000">
+                      <a:alpha val="43137"/>
+                    </a:srgbClr>
+                  </a:outerShdw>
+                </a:effectLst>
+                <a:latin typeface="微软雅黑" panose="020B0503020204020204" pitchFamily="34" charset="-122"/>
+                <a:ea typeface="微软雅黑" panose="020B0503020204020204" pitchFamily="34" charset="-122"/>
+                <a:cs typeface="+mn-ea"/>
+                <a:sym typeface="+mn-lt"/>
+              </a:rPr>
+              <a:t>Office</a:t>
+            </a:r>
+            <a:r>
+              <a:rPr lang="zh-CN" altLang="en-US" sz="2000" b="1" kern="0">
+                <a:solidFill>
+                  <a:schemeClr val="bg1"/>
+                </a:solidFill>
+                <a:effectLst>
+                  <a:outerShdw blurRad="38100" dist="38100" dir="2700000" algn="tl">
+                    <a:srgbClr val="000000">
+                      <a:alpha val="43137"/>
+                    </a:srgbClr>
+                  </a:outerShdw>
+                </a:effectLst>
+                <a:latin typeface="微软雅黑" panose="020B0503020204020204" pitchFamily="34" charset="-122"/>
+                <a:ea typeface="微软雅黑" panose="020B0503020204020204" pitchFamily="34" charset="-122"/>
+                <a:cs typeface="+mn-ea"/>
+                <a:sym typeface="+mn-lt"/>
+              </a:rPr>
+              <a:t>文档 」</a:t>
+            </a:r>
+            <a:endParaRPr lang="en-US" sz="2000" b="1" kern="0" dirty="0">
+              <a:solidFill>
+                <a:schemeClr val="bg1"/>
+              </a:solidFill>
+              <a:effectLst>
+                <a:outerShdw blurRad="38100" dist="38100" dir="2700000" algn="tl">
+                  <a:srgbClr val="000000">
+                    <a:alpha val="43137"/>
+                  </a:srgbClr>
+                </a:outerShdw>
+              </a:effectLst>
+              <a:latin typeface="微软雅黑" panose="020B0503020204020204" pitchFamily="34" charset="-122"/>
+              <a:ea typeface="微软雅黑" panose="020B0503020204020204" pitchFamily="34" charset="-122"/>
+              <a:cs typeface="+mn-ea"/>
+              <a:sym typeface="+mn-lt"/>
+            </a:endParaRPr>
+          </a:p>
+        </p:txBody>
+      </p:sp>
+      <p:sp>
+        <p:nvSpPr>
+          <p:cNvPr id="18" name="文本框 17"/>
+          <p:cNvSpPr txBox="1"/>
+          <p:nvPr userDrawn="1"/>
+        </p:nvSpPr>
+        <p:spPr>
+          <a:xfrm>
+            <a:off x="4862328" y="5138740"/>
+            <a:ext cx="2467342" cy="907428"/>
+          </a:xfrm>
+          <a:prstGeom prst="rect">
+            <a:avLst/>
+          </a:prstGeom>
+          <a:noFill/>
+        </p:spPr>
+        <p:txBody>
+          <a:bodyPr wrap="none" rtlCol="0">
+            <a:spAutoFit/>
+          </a:bodyPr>
+          <a:lstStyle/>
+          <a:p>
+            <a:pPr algn="ctr">
+              <a:lnSpc>
+                <a:spcPct val="140000"/>
+              </a:lnSpc>
+            </a:pPr>
+            <a:r>
+              <a:rPr lang="zh-CN" altLang="en-US" sz="2000" kern="0">
+                <a:solidFill>
+                  <a:schemeClr val="bg1">
+                    <a:alpha val="77000"/>
+                  </a:schemeClr>
+                </a:solidFill>
+                <a:effectLst>
+                  <a:outerShdw blurRad="38100" dist="38100" dir="2700000" algn="tl">
+                    <a:srgbClr val="000000">
+                      <a:alpha val="43137"/>
+                    </a:srgbClr>
+                  </a:outerShdw>
+                </a:effectLst>
+                <a:latin typeface="微软雅黑" panose="020B0503020204020204" pitchFamily="34" charset="-122"/>
+                <a:ea typeface="微软雅黑" panose="020B0503020204020204" pitchFamily="34" charset="-122"/>
+                <a:cs typeface="+mn-ea"/>
+                <a:sym typeface="+mn-lt"/>
+              </a:rPr>
+              <a:t>让你的文档会说话</a:t>
+            </a:r>
             <a:endParaRPr lang="en-US" altLang="zh-CN" sz="2000" kern="0">
               <a:solidFill>
                 <a:schemeClr val="bg1">
@@ -3826,12 +3953,44 @@
                 <a:cs typeface="+mn-ea"/>
                 <a:sym typeface="+mn-lt"/>
               </a:rPr>
-              <a:t> 「 微软</a:t>
-            </a:r>
-            <a:r>
-              <a:rPr lang="en-US" altLang="zh-CN" sz="2000" b="1" kern="0">
-                <a:solidFill>
-                  <a:schemeClr val="bg1"/>
+              <a:t> 「 微软听听文档 」</a:t>
+            </a:r>
+          </a:p>
+        </p:txBody>
+      </p:sp>
+      <p:sp>
+        <p:nvSpPr>
+          <p:cNvPr id="19" name="文本框 18"/>
+          <p:cNvSpPr txBox="1"/>
+          <p:nvPr userDrawn="1"/>
+        </p:nvSpPr>
+        <p:spPr>
+          <a:xfrm>
+            <a:off x="8644425" y="5138740"/>
+            <a:ext cx="2492990" cy="907428"/>
+          </a:xfrm>
+          <a:prstGeom prst="rect">
+            <a:avLst/>
+          </a:prstGeom>
+          <a:noFill/>
+        </p:spPr>
+        <p:txBody>
+          <a:bodyPr wrap="none" rtlCol="0">
+            <a:spAutoFit/>
+          </a:bodyPr>
+          <a:lstStyle/>
+          <a:p>
+            <a:pPr algn="ctr">
+              <a:lnSpc>
+                <a:spcPct val="140000"/>
+              </a:lnSpc>
+            </a:pPr>
+            <a:r>
+              <a:rPr lang="zh-CN" altLang="en-US" sz="2000" kern="0">
+                <a:solidFill>
+                  <a:schemeClr val="bg1">
+                    <a:alpha val="77000"/>
+                  </a:schemeClr>
                 </a:solidFill>
                 <a:effectLst>
                   <a:outerShdw blurRad="38100" dist="38100" dir="2700000" algn="tl">
@@ -3845,93 +4004,7 @@
                 <a:cs typeface="+mn-ea"/>
                 <a:sym typeface="+mn-lt"/>
               </a:rPr>
-              <a:t>Office</a:t>
-            </a:r>
-            <a:r>
-              <a:rPr lang="zh-CN" altLang="en-US" sz="2000" b="1" kern="0">
-                <a:solidFill>
-                  <a:schemeClr val="bg1"/>
-                </a:solidFill>
-                <a:effectLst>
-                  <a:outerShdw blurRad="38100" dist="38100" dir="2700000" algn="tl">
-                    <a:srgbClr val="000000">
-                      <a:alpha val="43137"/>
-                    </a:srgbClr>
-                  </a:outerShdw>
-                </a:effectLst>
-                <a:latin typeface="微软雅黑" panose="020B0503020204020204" pitchFamily="34" charset="-122"/>
-                <a:ea typeface="微软雅黑" panose="020B0503020204020204" pitchFamily="34" charset="-122"/>
-                <a:cs typeface="+mn-ea"/>
-                <a:sym typeface="+mn-lt"/>
-              </a:rPr>
-              <a:t>文档 」</a:t>
-            </a:r>
-            <a:endParaRPr lang="en-US" sz="2000" b="1" kern="0" dirty="0">
-              <a:solidFill>
-                <a:schemeClr val="bg1"/>
-              </a:solidFill>
-              <a:effectLst>
-                <a:outerShdw blurRad="38100" dist="38100" dir="2700000" algn="tl">
-                  <a:srgbClr val="000000">
-                    <a:alpha val="43137"/>
-                  </a:srgbClr>
-                </a:outerShdw>
-              </a:effectLst>
-              <a:latin typeface="微软雅黑" panose="020B0503020204020204" pitchFamily="34" charset="-122"/>
-              <a:ea typeface="微软雅黑" panose="020B0503020204020204" pitchFamily="34" charset="-122"/>
-              <a:cs typeface="+mn-ea"/>
-              <a:sym typeface="+mn-lt"/>
-            </a:endParaRPr>
-          </a:p>
-        </p:txBody>
-      </p:sp>
-      <p:sp>
-        <p:nvSpPr>
-          <p:cNvPr id="18" name="文本框 17"/>
-          <p:cNvSpPr txBox="1"/>
-          <p:nvPr userDrawn="1"/>
-        </p:nvSpPr>
-        <p:spPr>
-          <a:xfrm>
-            <a:off x="4862328" y="5138740"/>
-            <a:ext cx="2467342" cy="907428"/>
-          </a:xfrm>
-          <a:prstGeom prst="rect">
-            <a:avLst/>
-          </a:prstGeom>
-          <a:noFill/>
-        </p:spPr>
-        <p:txBody>
-          <a:bodyPr wrap="none" rtlCol="0">
-            <a:spAutoFit/>
-          </a:bodyPr>
-          <a:lstStyle/>
-          <a:p>
-            <a:pPr algn="ctr">
-              <a:lnSpc>
-                <a:spcPct val="140000"/>
-              </a:lnSpc>
-            </a:pPr>
-            <a:r>
-              <a:rPr lang="zh-CN" altLang="en-US" sz="2000" kern="0">
-                <a:solidFill>
-                  <a:schemeClr val="bg1">
-                    <a:alpha val="77000"/>
-                  </a:schemeClr>
-                </a:solidFill>
-                <a:effectLst>
-                  <a:outerShdw blurRad="38100" dist="38100" dir="2700000" algn="tl">
-                    <a:srgbClr val="000000">
-                      <a:alpha val="43137"/>
-                    </a:srgbClr>
-                  </a:outerShdw>
-                </a:effectLst>
-                <a:latin typeface="微软雅黑" panose="020B0503020204020204" pitchFamily="34" charset="-122"/>
-                <a:ea typeface="微软雅黑" panose="020B0503020204020204" pitchFamily="34" charset="-122"/>
-                <a:cs typeface="+mn-ea"/>
-                <a:sym typeface="+mn-lt"/>
-              </a:rPr>
-              <a:t>让你的文档会说话</a:t>
+              <a:t>你的文档创作小助手</a:t>
             </a:r>
             <a:endParaRPr lang="en-US" altLang="zh-CN" sz="2000" kern="0">
               <a:solidFill>
@@ -3975,135 +4048,8 @@
                 <a:cs typeface="+mn-ea"/>
                 <a:sym typeface="+mn-lt"/>
               </a:rPr>
-              <a:t> 「 微软听听文档 」</a:t>
-            </a:r>
-            <a:endParaRPr lang="zh-CN" altLang="en-US" sz="2000" b="1" kern="0">
-              <a:solidFill>
-                <a:schemeClr val="bg1"/>
-              </a:solidFill>
-              <a:effectLst>
-                <a:outerShdw blurRad="38100" dist="38100" dir="2700000" algn="tl">
-                  <a:srgbClr val="000000">
-                    <a:alpha val="43137"/>
-                  </a:srgbClr>
-                </a:outerShdw>
-              </a:effectLst>
-              <a:latin typeface="微软雅黑" panose="020B0503020204020204" pitchFamily="34" charset="-122"/>
-              <a:ea typeface="微软雅黑" panose="020B0503020204020204" pitchFamily="34" charset="-122"/>
-              <a:cs typeface="+mn-ea"/>
-              <a:sym typeface="+mn-lt"/>
-            </a:endParaRPr>
-          </a:p>
-        </p:txBody>
-      </p:sp>
-      <p:sp>
-        <p:nvSpPr>
-          <p:cNvPr id="19" name="文本框 18"/>
-          <p:cNvSpPr txBox="1"/>
-          <p:nvPr userDrawn="1"/>
-        </p:nvSpPr>
-        <p:spPr>
-          <a:xfrm>
-            <a:off x="8644425" y="5138740"/>
-            <a:ext cx="2492990" cy="907428"/>
-          </a:xfrm>
-          <a:prstGeom prst="rect">
-            <a:avLst/>
-          </a:prstGeom>
-          <a:noFill/>
-        </p:spPr>
-        <p:txBody>
-          <a:bodyPr wrap="none" rtlCol="0">
-            <a:spAutoFit/>
-          </a:bodyPr>
-          <a:lstStyle/>
-          <a:p>
-            <a:pPr algn="ctr">
-              <a:lnSpc>
-                <a:spcPct val="140000"/>
-              </a:lnSpc>
-            </a:pPr>
-            <a:r>
-              <a:rPr lang="zh-CN" altLang="en-US" sz="2000" kern="0">
-                <a:solidFill>
-                  <a:schemeClr val="bg1">
-                    <a:alpha val="77000"/>
-                  </a:schemeClr>
-                </a:solidFill>
-                <a:effectLst>
-                  <a:outerShdw blurRad="38100" dist="38100" dir="2700000" algn="tl">
-                    <a:srgbClr val="000000">
-                      <a:alpha val="43137"/>
-                    </a:srgbClr>
-                  </a:outerShdw>
-                </a:effectLst>
-                <a:latin typeface="微软雅黑" panose="020B0503020204020204" pitchFamily="34" charset="-122"/>
-                <a:ea typeface="微软雅黑" panose="020B0503020204020204" pitchFamily="34" charset="-122"/>
-                <a:cs typeface="+mn-ea"/>
-                <a:sym typeface="+mn-lt"/>
-              </a:rPr>
-              <a:t>你的文档创作小助手</a:t>
-            </a:r>
-            <a:endParaRPr lang="en-US" altLang="zh-CN" sz="2000" kern="0">
-              <a:solidFill>
-                <a:schemeClr val="bg1">
-                  <a:alpha val="77000"/>
-                </a:schemeClr>
-              </a:solidFill>
-              <a:effectLst>
-                <a:outerShdw blurRad="38100" dist="38100" dir="2700000" algn="tl">
-                  <a:srgbClr val="000000">
-                    <a:alpha val="43137"/>
-                  </a:srgbClr>
-                </a:outerShdw>
-              </a:effectLst>
-              <a:latin typeface="微软雅黑" panose="020B0503020204020204" pitchFamily="34" charset="-122"/>
-              <a:ea typeface="微软雅黑" panose="020B0503020204020204" pitchFamily="34" charset="-122"/>
-              <a:cs typeface="+mn-ea"/>
-              <a:sym typeface="+mn-lt"/>
-            </a:endParaRPr>
-          </a:p>
-          <a:p>
-            <a:pPr algn="ctr">
-              <a:lnSpc>
-                <a:spcPct val="140000"/>
-              </a:lnSpc>
-            </a:pPr>
-            <a:r>
-              <a:rPr lang="zh-CN" altLang="en-US" sz="2000" b="1" kern="0">
-                <a:solidFill>
-                  <a:schemeClr val="bg1"/>
-                </a:solidFill>
-                <a:effectLst>
-                  <a:outerShdw blurRad="38100" dist="38100" dir="2700000" algn="tl">
-                    <a:srgbClr val="000000">
-                      <a:alpha val="43137"/>
-                    </a:srgbClr>
-                  </a:outerShdw>
-                </a:effectLst>
-                <a:latin typeface="微软雅黑" panose="020B0503020204020204" pitchFamily="34" charset="-122"/>
-                <a:ea typeface="微软雅黑" panose="020B0503020204020204" pitchFamily="34" charset="-122"/>
-                <a:cs typeface="+mn-ea"/>
-                <a:sym typeface="+mn-lt"/>
-              </a:rPr>
               <a:t> 「 微软小蜜 」</a:t>
             </a:r>
-            <a:endParaRPr lang="zh-CN" altLang="en-US" sz="2000" b="1" kern="0">
-              <a:solidFill>
-                <a:schemeClr val="bg1"/>
-              </a:solidFill>
-              <a:effectLst>
-                <a:outerShdw blurRad="38100" dist="38100" dir="2700000" algn="tl">
-                  <a:srgbClr val="000000">
-                    <a:alpha val="43137"/>
-                  </a:srgbClr>
-                </a:outerShdw>
-              </a:effectLst>
-              <a:latin typeface="微软雅黑" panose="020B0503020204020204" pitchFamily="34" charset="-122"/>
-              <a:ea typeface="微软雅黑" panose="020B0503020204020204" pitchFamily="34" charset="-122"/>
-              <a:cs typeface="+mn-ea"/>
-              <a:sym typeface="+mn-lt"/>
-            </a:endParaRPr>
           </a:p>
         </p:txBody>
       </p:sp>
@@ -4225,14 +4171,6 @@
   <p:clrMapOvr>
     <a:masterClrMapping/>
   </p:clrMapOvr>
-  <mc:AlternateContent xmlns:mc="http://schemas.openxmlformats.org/markup-compatibility/2006">
-    <mc:Choice xmlns:p14="http://schemas.microsoft.com/office/powerpoint/2010/main" Requires="p14">
-      <p:transition spd="slow" p14:dur="2000"/>
-    </mc:Choice>
-    <mc:Fallback>
-      <p:transition spd="slow"/>
-    </mc:Fallback>
-  </mc:AlternateContent>
 </p:sldLayout>
 </file>
 
@@ -4315,20 +4253,6 @@
               </a:rPr>
               <a:t>标注</a:t>
             </a:r>
-            <a:endParaRPr kumimoji="0" lang="zh-CN" altLang="en-US" sz="1800" b="0" i="0" u="none" strike="noStrike" kern="0" cap="none" spc="0" normalizeH="0" baseline="0" noProof="0" dirty="0">
-              <a:ln>
-                <a:noFill/>
-              </a:ln>
-              <a:solidFill>
-                <a:srgbClr val="FFFFFF"/>
-              </a:solidFill>
-              <a:effectLst/>
-              <a:uLnTx/>
-              <a:uFillTx/>
-              <a:latin typeface="Segoe UI Light" panose="020B0502040204020203"/>
-              <a:ea typeface="微软雅黑" panose="020B0503020204020204" pitchFamily="34" charset="-122"/>
-              <a:cs typeface="Segoe UI Light" panose="020B0502040204020203"/>
-            </a:endParaRPr>
           </a:p>
         </p:txBody>
       </p:sp>
@@ -4676,20 +4600,6 @@
               </a:rPr>
               <a:t>背景图片出处</a:t>
             </a:r>
-            <a:endParaRPr kumimoji="0" lang="zh-CN" altLang="en-US" sz="1400" b="0" i="0" u="none" strike="noStrike" kern="0" cap="none" spc="0" normalizeH="0" baseline="0" noProof="0" dirty="0">
-              <a:ln>
-                <a:noFill/>
-              </a:ln>
-              <a:solidFill>
-                <a:srgbClr val="FFFFFF"/>
-              </a:solidFill>
-              <a:effectLst/>
-              <a:uLnTx/>
-              <a:uFillTx/>
-              <a:latin typeface="Segoe UI Light" panose="020B0502040204020203"/>
-              <a:ea typeface="微软雅黑" panose="020B0503020204020204" pitchFamily="34" charset="-122"/>
-              <a:cs typeface="Segoe UI Light" panose="020B0502040204020203"/>
-            </a:endParaRPr>
           </a:p>
           <a:p>
             <a:pPr marL="0" marR="0" lvl="0" indent="0" defTabSz="609600" eaLnBrk="1" fontAlgn="auto" latinLnBrk="0" hangingPunct="1">
@@ -4876,19 +4786,6 @@
               </a:rPr>
               <a:t>Century Gothic</a:t>
             </a:r>
-            <a:endParaRPr kumimoji="0" lang="en-US" altLang="zh-CN" sz="1400" b="0" i="0" u="none" strike="noStrike" kern="0" cap="none" spc="0" normalizeH="0" baseline="0" noProof="0" dirty="0">
-              <a:ln>
-                <a:noFill/>
-              </a:ln>
-              <a:solidFill>
-                <a:srgbClr val="FFFFFF"/>
-              </a:solidFill>
-              <a:effectLst/>
-              <a:uLnTx/>
-              <a:uFillTx/>
-              <a:latin typeface="Segoe UI Light" panose="020B0502040204020203"/>
-              <a:cs typeface="Segoe UI Light" panose="020B0502040204020203"/>
-            </a:endParaRPr>
           </a:p>
           <a:p>
             <a:pPr marL="0" marR="0" lvl="0" indent="0" defTabSz="609600" eaLnBrk="1" fontAlgn="auto" latinLnBrk="0" hangingPunct="1">
@@ -5086,20 +4983,6 @@
               </a:rPr>
               <a:t>1.3</a:t>
             </a:r>
-            <a:endParaRPr kumimoji="0" lang="en-US" altLang="zh-CN" sz="1400" b="0" i="0" u="none" strike="noStrike" kern="0" cap="none" spc="0" normalizeH="0" baseline="0" noProof="0" dirty="0">
-              <a:ln>
-                <a:noFill/>
-              </a:ln>
-              <a:solidFill>
-                <a:srgbClr val="FFFFFF"/>
-              </a:solidFill>
-              <a:effectLst/>
-              <a:uLnTx/>
-              <a:uFillTx/>
-              <a:latin typeface="Segoe UI Light" panose="020B0502040204020203"/>
-              <a:ea typeface="微软雅黑" panose="020B0503020204020204" pitchFamily="34" charset="-122"/>
-              <a:cs typeface="Segoe UI Light" panose="020B0502040204020203"/>
-            </a:endParaRPr>
           </a:p>
           <a:p>
             <a:pPr marL="0" marR="0" lvl="0" indent="0" defTabSz="609600" eaLnBrk="1" fontAlgn="auto" latinLnBrk="0" hangingPunct="1">
@@ -5646,20 +5529,6 @@
               </a:rPr>
               <a:t>不得被全部或部分的复制、传播、销售，否则将承担法律责任。</a:t>
             </a:r>
-            <a:endParaRPr kumimoji="0" lang="zh-CN" altLang="en-US" sz="1335" b="0" i="0" u="none" strike="noStrike" kern="1200" cap="none" spc="0" normalizeH="0" baseline="0" noProof="0" dirty="0">
-              <a:ln>
-                <a:noFill/>
-              </a:ln>
-              <a:solidFill>
-                <a:prstClr val="white"/>
-              </a:solidFill>
-              <a:effectLst/>
-              <a:uLnTx/>
-              <a:uFillTx/>
-              <a:latin typeface="Century Gothic" panose="020B0502020202020204"/>
-              <a:ea typeface="微软雅黑" panose="020B0503020204020204" pitchFamily="34" charset="-122"/>
-              <a:cs typeface="+mn-cs"/>
-            </a:endParaRPr>
           </a:p>
         </p:txBody>
       </p:sp>
@@ -5739,14 +5608,6 @@
   <p:clrMapOvr>
     <a:masterClrMapping/>
   </p:clrMapOvr>
-  <mc:AlternateContent xmlns:mc="http://schemas.openxmlformats.org/markup-compatibility/2006">
-    <mc:Choice xmlns:p14="http://schemas.microsoft.com/office/powerpoint/2010/main" Requires="p14">
-      <p:transition spd="slow" p14:dur="2000"/>
-    </mc:Choice>
-    <mc:Fallback>
-      <p:transition spd="slow"/>
-    </mc:Fallback>
-  </mc:AlternateContent>
 </p:sldLayout>
 </file>
 
@@ -5969,7 +5830,6 @@
               <a:rPr kumimoji="1" lang="zh-CN" altLang="en-US" dirty="0"/>
               <a:t>目录</a:t>
             </a:r>
-            <a:endParaRPr kumimoji="1" lang="zh-CN" altLang="en-US" dirty="0"/>
           </a:p>
         </p:txBody>
       </p:sp>
@@ -6094,7 +5954,6 @@
               <a:rPr kumimoji="1" lang="zh-CN" altLang="en-US"/>
               <a:t>单击此处编辑母版文本样式</a:t>
             </a:r>
-            <a:endParaRPr kumimoji="1" lang="zh-CN" altLang="en-US"/>
           </a:p>
         </p:txBody>
       </p:sp>
@@ -6176,7 +6035,6 @@
               <a:rPr kumimoji="1" lang="zh-CN" altLang="en-US"/>
               <a:t>单击此处编辑母版文本样式</a:t>
             </a:r>
-            <a:endParaRPr kumimoji="1" lang="zh-CN" altLang="en-US"/>
           </a:p>
         </p:txBody>
       </p:sp>
@@ -6258,7 +6116,6 @@
               <a:rPr kumimoji="1" lang="zh-CN" altLang="en-US"/>
               <a:t>单击此处编辑母版文本样式</a:t>
             </a:r>
-            <a:endParaRPr kumimoji="1" lang="zh-CN" altLang="en-US"/>
           </a:p>
         </p:txBody>
       </p:sp>
@@ -6267,14 +6124,6 @@
   <p:clrMapOvr>
     <a:masterClrMapping/>
   </p:clrMapOvr>
-  <mc:AlternateContent xmlns:mc="http://schemas.openxmlformats.org/markup-compatibility/2006">
-    <mc:Choice xmlns:p14="http://schemas.microsoft.com/office/powerpoint/2010/main" Requires="p14">
-      <p:transition spd="slow" p14:dur="2000"/>
-    </mc:Choice>
-    <mc:Fallback>
-      <p:transition spd="slow"/>
-    </mc:Fallback>
-  </mc:AlternateContent>
 </p:sldLayout>
 </file>
 
@@ -6497,7 +6346,6 @@
               <a:rPr kumimoji="1" lang="zh-CN" altLang="en-US" dirty="0"/>
               <a:t>目录</a:t>
             </a:r>
-            <a:endParaRPr kumimoji="1" lang="zh-CN" altLang="en-US" dirty="0"/>
           </a:p>
         </p:txBody>
       </p:sp>
@@ -6622,7 +6470,6 @@
               <a:rPr kumimoji="1" lang="zh-CN" altLang="en-US"/>
               <a:t>单击此处编辑母版文本样式</a:t>
             </a:r>
-            <a:endParaRPr kumimoji="1" lang="zh-CN" altLang="en-US"/>
           </a:p>
         </p:txBody>
       </p:sp>
@@ -6704,7 +6551,6 @@
               <a:rPr kumimoji="1" lang="zh-CN" altLang="en-US"/>
               <a:t>单击此处编辑母版文本样式</a:t>
             </a:r>
-            <a:endParaRPr kumimoji="1" lang="zh-CN" altLang="en-US"/>
           </a:p>
         </p:txBody>
       </p:sp>
@@ -6786,7 +6632,6 @@
               <a:rPr kumimoji="1" lang="zh-CN" altLang="en-US"/>
               <a:t>单击此处编辑母版文本样式</a:t>
             </a:r>
-            <a:endParaRPr kumimoji="1" lang="zh-CN" altLang="en-US"/>
           </a:p>
         </p:txBody>
       </p:sp>
@@ -6868,7 +6713,6 @@
               <a:rPr kumimoji="1" lang="zh-CN" altLang="en-US"/>
               <a:t>单击此处编辑母版文本样式</a:t>
             </a:r>
-            <a:endParaRPr kumimoji="1" lang="zh-CN" altLang="en-US"/>
           </a:p>
         </p:txBody>
       </p:sp>
@@ -6877,14 +6721,6 @@
   <p:clrMapOvr>
     <a:masterClrMapping/>
   </p:clrMapOvr>
-  <mc:AlternateContent xmlns:mc="http://schemas.openxmlformats.org/markup-compatibility/2006">
-    <mc:Choice xmlns:p14="http://schemas.microsoft.com/office/powerpoint/2010/main" Requires="p14">
-      <p:transition spd="slow" p14:dur="2000"/>
-    </mc:Choice>
-    <mc:Fallback>
-      <p:transition spd="slow"/>
-    </mc:Fallback>
-  </mc:AlternateContent>
 </p:sldLayout>
 </file>
 
@@ -7107,7 +6943,6 @@
               <a:rPr kumimoji="1" lang="zh-CN" altLang="en-US" dirty="0"/>
               <a:t>目录</a:t>
             </a:r>
-            <a:endParaRPr kumimoji="1" lang="zh-CN" altLang="en-US" dirty="0"/>
           </a:p>
         </p:txBody>
       </p:sp>
@@ -7232,7 +7067,6 @@
               <a:rPr kumimoji="1" lang="zh-CN" altLang="en-US"/>
               <a:t>单击此处编辑母版文本样式</a:t>
             </a:r>
-            <a:endParaRPr kumimoji="1" lang="zh-CN" altLang="en-US"/>
           </a:p>
         </p:txBody>
       </p:sp>
@@ -7314,7 +7148,6 @@
               <a:rPr kumimoji="1" lang="zh-CN" altLang="en-US"/>
               <a:t>单击此处编辑母版文本样式</a:t>
             </a:r>
-            <a:endParaRPr kumimoji="1" lang="zh-CN" altLang="en-US"/>
           </a:p>
         </p:txBody>
       </p:sp>
@@ -7396,7 +7229,6 @@
               <a:rPr kumimoji="1" lang="zh-CN" altLang="en-US"/>
               <a:t>单击此处编辑母版文本样式</a:t>
             </a:r>
-            <a:endParaRPr kumimoji="1" lang="zh-CN" altLang="en-US"/>
           </a:p>
         </p:txBody>
       </p:sp>
@@ -7478,7 +7310,6 @@
               <a:rPr kumimoji="1" lang="zh-CN" altLang="en-US"/>
               <a:t>单击此处编辑母版文本样式</a:t>
             </a:r>
-            <a:endParaRPr kumimoji="1" lang="zh-CN" altLang="en-US"/>
           </a:p>
         </p:txBody>
       </p:sp>
@@ -7560,7 +7391,6 @@
               <a:rPr kumimoji="1" lang="zh-CN" altLang="en-US"/>
               <a:t>单击此处编辑母版文本样式</a:t>
             </a:r>
-            <a:endParaRPr kumimoji="1" lang="zh-CN" altLang="en-US"/>
           </a:p>
         </p:txBody>
       </p:sp>
@@ -7569,14 +7399,6 @@
   <p:clrMapOvr>
     <a:masterClrMapping/>
   </p:clrMapOvr>
-  <mc:AlternateContent xmlns:mc="http://schemas.openxmlformats.org/markup-compatibility/2006">
-    <mc:Choice xmlns:p14="http://schemas.microsoft.com/office/powerpoint/2010/main" Requires="p14">
-      <p:transition spd="slow" p14:dur="2000"/>
-    </mc:Choice>
-    <mc:Fallback>
-      <p:transition spd="slow"/>
-    </mc:Fallback>
-  </mc:AlternateContent>
 </p:sldLayout>
 </file>
 
@@ -7885,7 +7707,6 @@
               <a:rPr kumimoji="1" lang="zh-CN" altLang="en-US"/>
               <a:t>单击此处编辑母版文本样式</a:t>
             </a:r>
-            <a:endParaRPr kumimoji="1" lang="zh-CN" altLang="en-US"/>
           </a:p>
         </p:txBody>
       </p:sp>
@@ -7894,14 +7715,6 @@
   <p:clrMapOvr>
     <a:masterClrMapping/>
   </p:clrMapOvr>
-  <mc:AlternateContent xmlns:mc="http://schemas.openxmlformats.org/markup-compatibility/2006">
-    <mc:Choice xmlns:p14="http://schemas.microsoft.com/office/powerpoint/2010/main" Requires="p14">
-      <p:transition spd="slow" p14:dur="2000"/>
-    </mc:Choice>
-    <mc:Fallback>
-      <p:transition spd="slow"/>
-    </mc:Fallback>
-  </mc:AlternateContent>
 </p:sldLayout>
 </file>
 
@@ -8160,14 +7973,6 @@
   <p:clrMapOvr>
     <a:masterClrMapping/>
   </p:clrMapOvr>
-  <mc:AlternateContent xmlns:mc="http://schemas.openxmlformats.org/markup-compatibility/2006">
-    <mc:Choice xmlns:p14="http://schemas.microsoft.com/office/powerpoint/2010/main" Requires="p14">
-      <p:transition spd="slow" p14:dur="2000"/>
-    </mc:Choice>
-    <mc:Fallback>
-      <p:transition spd="slow"/>
-    </mc:Fallback>
-  </mc:AlternateContent>
 </p:sldLayout>
 </file>
 
@@ -8193,14 +7998,6 @@
   <p:clrMapOvr>
     <a:masterClrMapping/>
   </p:clrMapOvr>
-  <mc:AlternateContent xmlns:mc="http://schemas.openxmlformats.org/markup-compatibility/2006">
-    <mc:Choice xmlns:p14="http://schemas.microsoft.com/office/powerpoint/2010/main" Requires="p14">
-      <p:transition spd="slow" p14:dur="2000"/>
-    </mc:Choice>
-    <mc:Fallback>
-      <p:transition spd="slow"/>
-    </mc:Fallback>
-  </mc:AlternateContent>
 </p:sldLayout>
 </file>
 
@@ -8243,6 +8040,7 @@
           <a:p>
             <a:fld id="{82F288E0-7875-42C4-84C8-98DBBD3BF4D2}" type="datetimeFigureOut">
               <a:rPr lang="zh-CN" altLang="en-US" smtClean="0"/>
+              <a:t>2024/1/29</a:t>
             </a:fld>
             <a:endParaRPr lang="zh-CN" altLang="en-US"/>
           </a:p>
@@ -8294,6 +8092,7 @@
           <a:p>
             <a:fld id="{7D9BB5D0-35E4-459D-AEF3-FE4D7C45CC19}" type="slidenum">
               <a:rPr lang="zh-CN" altLang="en-US" smtClean="0"/>
+              <a:t>‹#›</a:t>
             </a:fld>
             <a:endParaRPr lang="zh-CN" altLang="en-US"/>
           </a:p>
@@ -8304,14 +8103,6 @@
   <p:clrMapOvr>
     <a:masterClrMapping/>
   </p:clrMapOvr>
-  <mc:AlternateContent xmlns:mc="http://schemas.openxmlformats.org/markup-compatibility/2006">
-    <mc:Choice xmlns:p14="http://schemas.microsoft.com/office/powerpoint/2010/main" Requires="p14">
-      <p:transition spd="slow" p14:dur="2000"/>
-    </mc:Choice>
-    <mc:Fallback>
-      <p:transition spd="slow"/>
-    </mc:Fallback>
-  </mc:AlternateContent>
 </p:sldLayout>
 </file>
 
@@ -8737,14 +8528,6 @@
   <p:clrMapOvr>
     <a:masterClrMapping/>
   </p:clrMapOvr>
-  <mc:AlternateContent xmlns:mc="http://schemas.openxmlformats.org/markup-compatibility/2006">
-    <mc:Choice xmlns:p14="http://schemas.microsoft.com/office/powerpoint/2010/main" Requires="p14">
-      <p:transition spd="slow" p14:dur="2000"/>
-    </mc:Choice>
-    <mc:Fallback>
-      <p:transition spd="slow"/>
-    </mc:Fallback>
-  </mc:AlternateContent>
 </p:sldLayout>
 </file>
 
@@ -8783,14 +8566,6 @@
     <p:sldLayoutId id="2147483655" r:id="rId7"/>
     <p:sldLayoutId id="2147483656" r:id="rId8"/>
   </p:sldLayoutIdLst>
-  <mc:AlternateContent xmlns:mc="http://schemas.openxmlformats.org/markup-compatibility/2006">
-    <mc:Choice xmlns:p14="http://schemas.microsoft.com/office/powerpoint/2010/main" Requires="p14">
-      <p:transition spd="slow" p14:dur="2000"/>
-    </mc:Choice>
-    <mc:Fallback>
-      <p:transition spd="slow"/>
-    </mc:Fallback>
-  </mc:AlternateContent>
   <p:txStyles>
     <p:titleStyle>
       <a:lvl1pPr algn="l" defTabSz="914400" rtl="0" eaLnBrk="1" latinLnBrk="0" hangingPunct="1">
@@ -9106,14 +8881,6 @@
     <p:sldLayoutId id="2147483661" r:id="rId4"/>
     <p:sldLayoutId id="2147483662" r:id="rId5"/>
   </p:sldLayoutIdLst>
-  <mc:AlternateContent xmlns:mc="http://schemas.openxmlformats.org/markup-compatibility/2006">
-    <mc:Choice xmlns:p14="http://schemas.microsoft.com/office/powerpoint/2010/main" Requires="p14">
-      <p:transition spd="slow" p14:dur="2000"/>
-    </mc:Choice>
-    <mc:Fallback>
-      <p:transition spd="slow"/>
-    </mc:Fallback>
-  </mc:AlternateContent>
   <p:txStyles>
     <p:titleStyle>
       <a:lvl1pPr algn="l" defTabSz="914400" rtl="0" eaLnBrk="1" latinLnBrk="0" hangingPunct="1">
@@ -9445,14 +9212,6 @@
               </a:rPr>
               <a:t>图书电商管理系统</a:t>
             </a:r>
-            <a:endParaRPr kumimoji="1" lang="zh-CN" altLang="en-US" sz="4000" dirty="0">
-              <a:solidFill>
-                <a:schemeClr val="accent2"/>
-              </a:solidFill>
-              <a:latin typeface="微软雅黑" panose="020B0503020204020204" pitchFamily="34" charset="-122"/>
-              <a:ea typeface="微软雅黑" panose="020B0503020204020204" pitchFamily="34" charset="-122"/>
-              <a:cs typeface="微软雅黑" panose="020B0503020204020204" pitchFamily="34" charset="-122"/>
-            </a:endParaRPr>
           </a:p>
         </p:txBody>
       </p:sp>
@@ -9502,19 +9261,8 @@
                 <a:latin typeface="微软雅黑" panose="020B0503020204020204" pitchFamily="34" charset="-122"/>
                 <a:ea typeface="微软雅黑" panose="020B0503020204020204" pitchFamily="34" charset="-122"/>
               </a:rPr>
-              <a:t>：万晓涵 </a:t>
-            </a:r>
-            <a:r>
-              <a:rPr lang="en-US" altLang="zh-CN" dirty="0">
-                <a:latin typeface="微软雅黑" panose="020B0503020204020204" pitchFamily="34" charset="-122"/>
-                <a:ea typeface="微软雅黑" panose="020B0503020204020204" pitchFamily="34" charset="-122"/>
-              </a:rPr>
-              <a:t>2020308250108</a:t>
-            </a:r>
-            <a:endParaRPr lang="zh-CN" altLang="en-US" dirty="0">
-              <a:latin typeface="微软雅黑" panose="020B0503020204020204" pitchFamily="34" charset="-122"/>
-              <a:ea typeface="微软雅黑" panose="020B0503020204020204" pitchFamily="34" charset="-122"/>
-            </a:endParaRPr>
+              <a:t>：万晓涵</a:t>
+            </a:r>
           </a:p>
           <a:p>
             <a:pPr>
@@ -9543,19 +9291,8 @@
                 <a:latin typeface="微软雅黑" panose="020B0503020204020204" pitchFamily="34" charset="-122"/>
                 <a:ea typeface="微软雅黑" panose="020B0503020204020204" pitchFamily="34" charset="-122"/>
               </a:rPr>
-              <a:t>：梅议文 </a:t>
-            </a:r>
-            <a:r>
-              <a:rPr lang="en-US" altLang="zh-CN" dirty="0">
-                <a:latin typeface="微软雅黑" panose="020B0503020204020204" pitchFamily="34" charset="-122"/>
-                <a:ea typeface="微软雅黑" panose="020B0503020204020204" pitchFamily="34" charset="-122"/>
-              </a:rPr>
-              <a:t>2020308250226</a:t>
-            </a:r>
-            <a:endParaRPr lang="zh-CN" altLang="en-US" dirty="0">
-              <a:latin typeface="微软雅黑" panose="020B0503020204020204" pitchFamily="34" charset="-122"/>
-              <a:ea typeface="微软雅黑" panose="020B0503020204020204" pitchFamily="34" charset="-122"/>
-            </a:endParaRPr>
+              <a:t>：梅议文</a:t>
+            </a:r>
           </a:p>
           <a:p>
             <a:pPr>
@@ -9591,14 +9328,6 @@
   <p:clrMapOvr>
     <a:masterClrMapping/>
   </p:clrMapOvr>
-  <mc:AlternateContent xmlns:mc="http://schemas.openxmlformats.org/markup-compatibility/2006">
-    <mc:Choice xmlns:p14="http://schemas.microsoft.com/office/powerpoint/2010/main" Requires="p14">
-      <p:transition spd="slow" p14:dur="2000"/>
-    </mc:Choice>
-    <mc:Fallback>
-      <p:transition spd="slow"/>
-    </mc:Fallback>
-  </mc:AlternateContent>
 </p:sld>
 </file>
 
@@ -9669,7 +9398,6 @@
               <a:rPr kumimoji="1" lang="zh-CN" altLang="en-US" dirty="0"/>
               <a:t>系统模块构成</a:t>
             </a:r>
-            <a:endParaRPr kumimoji="1" lang="zh-CN" altLang="en-US" dirty="0"/>
           </a:p>
         </p:txBody>
       </p:sp>
@@ -9678,14 +9406,6 @@
   <p:clrMapOvr>
     <a:masterClrMapping/>
   </p:clrMapOvr>
-  <mc:AlternateContent xmlns:mc="http://schemas.openxmlformats.org/markup-compatibility/2006">
-    <mc:Choice xmlns:p14="http://schemas.microsoft.com/office/powerpoint/2010/main" Requires="p14">
-      <p:transition spd="slow" p14:dur="2000"/>
-    </mc:Choice>
-    <mc:Fallback>
-      <p:transition spd="slow"/>
-    </mc:Fallback>
-  </mc:AlternateContent>
 </p:sld>
 </file>
 
@@ -9725,7 +9445,6 @@
               <a:rPr kumimoji="1" lang="zh-CN" altLang="en-US" dirty="0"/>
               <a:t>系统模块构成</a:t>
             </a:r>
-            <a:endParaRPr kumimoji="1" lang="zh-CN" altLang="en-US" dirty="0"/>
           </a:p>
         </p:txBody>
       </p:sp>
@@ -9738,11 +9457,11 @@
           <p:nvPr/>
         </p:nvPicPr>
         <p:blipFill>
-          <a:blip r:embed="rId1">
+          <a:blip r:embed="rId3">
             <a:extLst>
               <a:ext uri="{BEBA8EAE-BF5A-486C-A8C5-ECC9F3942E4B}">
                 <a14:imgProps xmlns:a14="http://schemas.microsoft.com/office/drawing/2010/main">
-                  <a14:imgLayer r:embed="rId2">
+                  <a14:imgLayer r:embed="rId4">
                     <a14:imgEffect>
                       <a14:backgroundRemoval t="10000" b="96528" l="10000" r="90000"/>
                     </a14:imgEffect>
@@ -9781,7 +9500,7 @@
           <p:nvPr/>
         </p:nvPicPr>
         <p:blipFill>
-          <a:blip r:embed="rId3"/>
+          <a:blip r:embed="rId5"/>
           <a:stretch>
             <a:fillRect/>
           </a:stretch>
@@ -9801,14 +9520,6 @@
   <p:clrMapOvr>
     <a:masterClrMapping/>
   </p:clrMapOvr>
-  <mc:AlternateContent xmlns:mc="http://schemas.openxmlformats.org/markup-compatibility/2006">
-    <mc:Choice xmlns:p14="http://schemas.microsoft.com/office/powerpoint/2010/main" Requires="p14">
-      <p:transition spd="slow" p14:dur="2000"/>
-    </mc:Choice>
-    <mc:Fallback>
-      <p:transition spd="slow"/>
-    </mc:Fallback>
-  </mc:AlternateContent>
 </p:sld>
 </file>
 
@@ -9879,7 +9590,6 @@
               <a:rPr kumimoji="1" lang="zh-CN" altLang="en-US" dirty="0"/>
               <a:t>功能演示</a:t>
             </a:r>
-            <a:endParaRPr kumimoji="1" lang="zh-CN" altLang="en-US" dirty="0"/>
           </a:p>
         </p:txBody>
       </p:sp>
@@ -9888,14 +9598,6 @@
   <p:clrMapOvr>
     <a:masterClrMapping/>
   </p:clrMapOvr>
-  <mc:AlternateContent xmlns:mc="http://schemas.openxmlformats.org/markup-compatibility/2006">
-    <mc:Choice xmlns:p14="http://schemas.microsoft.com/office/powerpoint/2010/main" Requires="p14">
-      <p:transition spd="slow" p14:dur="2000"/>
-    </mc:Choice>
-    <mc:Fallback>
-      <p:transition spd="slow"/>
-    </mc:Fallback>
-  </mc:AlternateContent>
 </p:sld>
 </file>
 
@@ -9908,7 +9610,14 @@
         <p:cNvGrpSpPr/>
         <p:nvPr/>
       </p:nvGrpSpPr>
-      <p:grpSpPr/>
+      <p:grpSpPr>
+        <a:xfrm>
+          <a:off x="0" y="0"/>
+          <a:ext cx="0" cy="0"/>
+          <a:chOff x="0" y="0"/>
+          <a:chExt cx="0" cy="0"/>
+        </a:xfrm>
+      </p:grpSpPr>
       <p:sp>
         <p:nvSpPr>
           <p:cNvPr id="2" name="文本占位符 1"/>
@@ -9922,6 +9631,7 @@
         <p:spPr/>
         <p:txBody>
           <a:bodyPr/>
+          <a:lstStyle/>
           <a:p>
             <a:endParaRPr lang="zh-CN" altLang="en-US"/>
           </a:p>
@@ -9940,6 +9650,7 @@
         <p:spPr/>
         <p:txBody>
           <a:bodyPr/>
+          <a:lstStyle/>
           <a:p>
             <a:endParaRPr lang="zh-CN" altLang="en-US"/>
           </a:p>
@@ -9958,6 +9669,7 @@
         <p:spPr/>
         <p:txBody>
           <a:bodyPr/>
+          <a:lstStyle/>
           <a:p>
             <a:endParaRPr lang="zh-CN" altLang="en-US"/>
           </a:p>
@@ -9976,6 +9688,7 @@
         <p:spPr/>
         <p:txBody>
           <a:bodyPr/>
+          <a:lstStyle/>
           <a:p>
             <a:endParaRPr lang="zh-CN" altLang="en-US"/>
           </a:p>
@@ -9988,15 +9701,12 @@
           </p:cNvPr>
           <p:cNvPicPr/>
           <p:nvPr>
-            <a:videoFile r:link="rId1"/>
+            <a:videoFile r:link="rId2"/>
             <p:extLst>
               <p:ext uri="{DAA4B4D4-6D71-4841-9C94-3DE7FCFB9230}">
-                <p14:media xmlns:p14="http://schemas.microsoft.com/office/powerpoint/2010/main" r:link="rId2"/>
+                <p14:media xmlns:p14="http://schemas.microsoft.com/office/powerpoint/2010/main" r:link="rId1"/>
               </p:ext>
             </p:extLst>
-            <p:custDataLst>
-              <p:tags r:id="rId3"/>
-            </p:custDataLst>
           </p:nvPr>
         </p:nvPicPr>
         <p:blipFill>
@@ -10020,20 +9730,12 @@
   <p:clrMapOvr>
     <a:masterClrMapping/>
   </p:clrMapOvr>
-  <mc:AlternateContent xmlns:mc="http://schemas.openxmlformats.org/markup-compatibility/2006">
-    <mc:Choice xmlns:p14="http://schemas.microsoft.com/office/powerpoint/2010/main" Requires="p14">
-      <p:transition spd="slow" p14:dur="2000"/>
-    </mc:Choice>
-    <mc:Fallback>
-      <p:transition spd="slow"/>
-    </mc:Fallback>
-  </mc:AlternateContent>
   <p:timing>
     <p:tnLst>
       <p:par>
         <p:cTn id="1" dur="indefinite" restart="never" nodeType="tmRoot">
           <p:childTnLst>
-            <p:video fullScrn="0">
+            <p:video>
               <p:cMediaNode>
                 <p:cTn id="2" fill="hold" display="1">
                   <p:stCondLst>
@@ -10186,7 +9888,6 @@
               <a:rPr kumimoji="1" lang="zh-CN" altLang="en-US" dirty="0"/>
               <a:t>创新点</a:t>
             </a:r>
-            <a:endParaRPr kumimoji="1" lang="zh-CN" altLang="en-US" dirty="0"/>
           </a:p>
         </p:txBody>
       </p:sp>
@@ -10195,14 +9896,6 @@
   <p:clrMapOvr>
     <a:masterClrMapping/>
   </p:clrMapOvr>
-  <mc:AlternateContent xmlns:mc="http://schemas.openxmlformats.org/markup-compatibility/2006">
-    <mc:Choice xmlns:p14="http://schemas.microsoft.com/office/powerpoint/2010/main" Requires="p14">
-      <p:transition spd="slow" p14:dur="2000"/>
-    </mc:Choice>
-    <mc:Fallback>
-      <p:transition spd="slow"/>
-    </mc:Fallback>
-  </mc:AlternateContent>
 </p:sld>
 </file>
 
@@ -10255,7 +9948,6 @@
               <a:rPr kumimoji="1" lang="zh-CN" altLang="en-US" dirty="0"/>
               <a:t>创新点</a:t>
             </a:r>
-            <a:endParaRPr kumimoji="1" lang="zh-CN" altLang="en-US" dirty="0"/>
           </a:p>
         </p:txBody>
       </p:sp>
@@ -10827,13 +10519,6 @@
               </a:rPr>
               <a:t>图书商城和后台管理页面分开，方便不同用户（消费者、管理员）的使用</a:t>
             </a:r>
-            <a:endParaRPr lang="zh-CN" altLang="en-US" sz="1200" dirty="0">
-              <a:solidFill>
-                <a:schemeClr val="bg1"/>
-              </a:solidFill>
-              <a:latin typeface="微软雅黑" panose="020B0503020204020204" pitchFamily="34" charset="-122"/>
-              <a:ea typeface="微软雅黑" panose="020B0503020204020204" pitchFamily="34" charset="-122"/>
-            </a:endParaRPr>
           </a:p>
         </p:txBody>
       </p:sp>
@@ -11008,13 +10693,6 @@
               </a:rPr>
               <a:t>身份，购买商品价格打八折</a:t>
             </a:r>
-            <a:endParaRPr lang="zh-CN" altLang="en-US" sz="1100" dirty="0">
-              <a:solidFill>
-                <a:schemeClr val="bg1"/>
-              </a:solidFill>
-              <a:latin typeface="微软雅黑" panose="020B0503020204020204" pitchFamily="34" charset="-122"/>
-              <a:ea typeface="微软雅黑" panose="020B0503020204020204" pitchFamily="34" charset="-122"/>
-            </a:endParaRPr>
           </a:p>
         </p:txBody>
       </p:sp>
@@ -11149,13 +10827,6 @@
               </a:rPr>
               <a:t>增加公告功能，可以在管理后台发布或修改</a:t>
             </a:r>
-            <a:endParaRPr lang="zh-CN" altLang="en-US" sz="1200" dirty="0">
-              <a:solidFill>
-                <a:schemeClr val="bg1"/>
-              </a:solidFill>
-              <a:latin typeface="微软雅黑" panose="020B0503020204020204" pitchFamily="34" charset="-122"/>
-              <a:ea typeface="微软雅黑" panose="020B0503020204020204" pitchFamily="34" charset="-122"/>
-            </a:endParaRPr>
           </a:p>
         </p:txBody>
       </p:sp>
@@ -11550,13 +11221,6 @@
               </a:rPr>
               <a:t>页面</a:t>
             </a:r>
-            <a:endParaRPr lang="zh-CN" altLang="en-US" sz="1200" dirty="0">
-              <a:solidFill>
-                <a:schemeClr val="bg1"/>
-              </a:solidFill>
-              <a:latin typeface="微软雅黑" panose="020B0503020204020204" pitchFamily="34" charset="-122"/>
-              <a:ea typeface="微软雅黑" panose="020B0503020204020204" pitchFamily="34" charset="-122"/>
-            </a:endParaRPr>
           </a:p>
         </p:txBody>
       </p:sp>
@@ -11565,14 +11229,6 @@
   <p:clrMapOvr>
     <a:masterClrMapping/>
   </p:clrMapOvr>
-  <mc:AlternateContent xmlns:mc="http://schemas.openxmlformats.org/markup-compatibility/2006">
-    <mc:Choice xmlns:p14="http://schemas.microsoft.com/office/powerpoint/2010/main" Requires="p14">
-      <p:transition spd="slow" p14:dur="2000"/>
-    </mc:Choice>
-    <mc:Fallback>
-      <p:transition spd="slow"/>
-    </mc:Fallback>
-  </mc:AlternateContent>
 </p:sld>
 </file>
 
@@ -11656,7 +11312,6 @@
               <a:rPr kumimoji="1" lang="zh-CN" altLang="en-US" dirty="0"/>
               <a:t>解决办法</a:t>
             </a:r>
-            <a:endParaRPr kumimoji="1" lang="zh-CN" altLang="en-US" dirty="0"/>
           </a:p>
         </p:txBody>
       </p:sp>
@@ -11665,14 +11320,6 @@
   <p:clrMapOvr>
     <a:masterClrMapping/>
   </p:clrMapOvr>
-  <mc:AlternateContent xmlns:mc="http://schemas.openxmlformats.org/markup-compatibility/2006">
-    <mc:Choice xmlns:p14="http://schemas.microsoft.com/office/powerpoint/2010/main" Requires="p14">
-      <p:transition spd="slow" p14:dur="2000"/>
-    </mc:Choice>
-    <mc:Fallback>
-      <p:transition spd="slow"/>
-    </mc:Fallback>
-  </mc:AlternateContent>
 </p:sld>
 </file>
 
@@ -11725,7 +11372,6 @@
               <a:rPr kumimoji="1" lang="zh-CN" altLang="en-US" dirty="0"/>
               <a:t>解决方法</a:t>
             </a:r>
-            <a:endParaRPr kumimoji="1" lang="zh-CN" altLang="en-US" dirty="0"/>
           </a:p>
         </p:txBody>
       </p:sp>
@@ -12039,13 +11685,6 @@
               </a:rPr>
               <a:t>即可解决。</a:t>
             </a:r>
-            <a:endParaRPr lang="zh-CN" altLang="en-US" sz="1000" dirty="0">
-              <a:solidFill>
-                <a:schemeClr val="bg1"/>
-              </a:solidFill>
-              <a:latin typeface="微软雅黑" panose="020B0503020204020204" pitchFamily="34" charset="-122"/>
-              <a:ea typeface="微软雅黑" panose="020B0503020204020204" pitchFamily="34" charset="-122"/>
-            </a:endParaRPr>
           </a:p>
           <a:p>
             <a:pPr algn="ctr">
@@ -12193,13 +11832,6 @@
               </a:rPr>
               <a:t>转换编码即可。</a:t>
             </a:r>
-            <a:endParaRPr lang="zh-CN" altLang="en-US" sz="1000" dirty="0">
-              <a:solidFill>
-                <a:schemeClr val="bg1"/>
-              </a:solidFill>
-              <a:latin typeface="微软雅黑" panose="020B0503020204020204" pitchFamily="34" charset="-122"/>
-              <a:ea typeface="微软雅黑" panose="020B0503020204020204" pitchFamily="34" charset="-122"/>
-            </a:endParaRPr>
           </a:p>
         </p:txBody>
       </p:sp>
@@ -12238,12 +11870,6 @@
               </a:rPr>
               <a:t>中文显示乱码问题</a:t>
             </a:r>
-            <a:endParaRPr lang="zh-CN" altLang="en-US" sz="1600" b="1" dirty="0">
-              <a:solidFill>
-                <a:schemeClr val="bg1"/>
-              </a:solidFill>
-              <a:ea typeface="微软雅黑" panose="020B0503020204020204" pitchFamily="34" charset="-122"/>
-            </a:endParaRPr>
           </a:p>
         </p:txBody>
       </p:sp>
@@ -12607,13 +12233,6 @@
               </a:rPr>
               <a:t>就可以了；</a:t>
             </a:r>
-            <a:endParaRPr lang="zh-CN" altLang="en-US" sz="1100" dirty="0">
-              <a:solidFill>
-                <a:schemeClr val="bg1"/>
-              </a:solidFill>
-              <a:latin typeface="微软雅黑" panose="020B0503020204020204" pitchFamily="34" charset="-122"/>
-              <a:ea typeface="微软雅黑" panose="020B0503020204020204" pitchFamily="34" charset="-122"/>
-            </a:endParaRPr>
           </a:p>
         </p:txBody>
       </p:sp>
@@ -12670,12 +12289,6 @@
               </a:rPr>
               <a:t>错误</a:t>
             </a:r>
-            <a:endParaRPr lang="zh-CN" altLang="en-US" sz="1400" b="1" dirty="0">
-              <a:solidFill>
-                <a:schemeClr val="bg1"/>
-              </a:solidFill>
-              <a:ea typeface="微软雅黑" panose="020B0503020204020204" pitchFamily="34" charset="-122"/>
-            </a:endParaRPr>
           </a:p>
         </p:txBody>
       </p:sp>
@@ -13008,13 +12621,6 @@
               </a:rPr>
               <a:t>不太熟练，安装了很多插件，写项目有三成时间在找相关设置、操作的位置</a:t>
             </a:r>
-            <a:endParaRPr lang="zh-CN" altLang="en-US" sz="1100" dirty="0">
-              <a:solidFill>
-                <a:schemeClr val="bg1"/>
-              </a:solidFill>
-              <a:latin typeface="微软雅黑" panose="020B0503020204020204" pitchFamily="34" charset="-122"/>
-              <a:ea typeface="微软雅黑" panose="020B0503020204020204" pitchFamily="34" charset="-122"/>
-            </a:endParaRPr>
           </a:p>
         </p:txBody>
       </p:sp>
@@ -13053,12 +12659,6 @@
               </a:rPr>
               <a:t>开发平台不熟练</a:t>
             </a:r>
-            <a:endParaRPr lang="zh-CN" altLang="en-US" sz="1600" b="1" dirty="0">
-              <a:solidFill>
-                <a:schemeClr val="bg1"/>
-              </a:solidFill>
-              <a:ea typeface="微软雅黑" panose="020B0503020204020204" pitchFamily="34" charset="-122"/>
-            </a:endParaRPr>
           </a:p>
           <a:p>
             <a:pPr algn="ctr" defTabSz="609600">
@@ -13142,14 +12742,6 @@
   <p:clrMapOvr>
     <a:masterClrMapping/>
   </p:clrMapOvr>
-  <mc:AlternateContent xmlns:mc="http://schemas.openxmlformats.org/markup-compatibility/2006">
-    <mc:Choice xmlns:p14="http://schemas.microsoft.com/office/powerpoint/2010/main" Requires="p14">
-      <p:transition spd="slow" p14:dur="2000"/>
-    </mc:Choice>
-    <mc:Fallback>
-      <p:transition spd="slow"/>
-    </mc:Fallback>
-  </mc:AlternateContent>
 </p:sld>
 </file>
 
@@ -13220,7 +12812,6 @@
               <a:rPr kumimoji="1" lang="zh-CN" altLang="en-US" dirty="0"/>
               <a:t>组员分工</a:t>
             </a:r>
-            <a:endParaRPr kumimoji="1" lang="zh-CN" altLang="en-US" dirty="0"/>
           </a:p>
         </p:txBody>
       </p:sp>
@@ -13229,14 +12820,6 @@
   <p:clrMapOvr>
     <a:masterClrMapping/>
   </p:clrMapOvr>
-  <mc:AlternateContent xmlns:mc="http://schemas.openxmlformats.org/markup-compatibility/2006">
-    <mc:Choice xmlns:p14="http://schemas.microsoft.com/office/powerpoint/2010/main" Requires="p14">
-      <p:transition spd="slow" p14:dur="2000"/>
-    </mc:Choice>
-    <mc:Fallback>
-      <p:transition spd="slow"/>
-    </mc:Fallback>
-  </mc:AlternateContent>
 </p:sld>
 </file>
 
@@ -13281,7 +12864,6 @@
               <a:rPr kumimoji="1" lang="zh-CN" altLang="en-US" dirty="0"/>
               <a:t>组员分工</a:t>
             </a:r>
-            <a:endParaRPr kumimoji="1" lang="zh-CN" altLang="en-US" dirty="0"/>
           </a:p>
         </p:txBody>
       </p:sp>
@@ -13809,16 +13391,6 @@
               </a:rPr>
               <a:t>前期两人一起讨论，进行系统需求分析、设计概念结构，整理撰写需求文档、数据字典、数据流图等</a:t>
             </a:r>
-            <a:endParaRPr lang="zh-CN" altLang="en-US" sz="1200" dirty="0">
-              <a:solidFill>
-                <a:schemeClr val="tx1">
-                  <a:lumMod val="75000"/>
-                  <a:lumOff val="25000"/>
-                </a:schemeClr>
-              </a:solidFill>
-              <a:latin typeface="微软雅黑" panose="020B0503020204020204" pitchFamily="34" charset="-122"/>
-              <a:ea typeface="微软雅黑" panose="020B0503020204020204" pitchFamily="34" charset="-122"/>
-            </a:endParaRPr>
           </a:p>
         </p:txBody>
       </p:sp>
@@ -14016,16 +13588,6 @@
               </a:rPr>
               <a:t>万晓涵进行网站前端页面设计、前端用户交互设计，参与代码实现</a:t>
             </a:r>
-            <a:endParaRPr lang="zh-CN" altLang="en-US" sz="1200" dirty="0">
-              <a:solidFill>
-                <a:schemeClr val="tx1">
-                  <a:lumMod val="75000"/>
-                  <a:lumOff val="25000"/>
-                </a:schemeClr>
-              </a:solidFill>
-              <a:latin typeface="微软雅黑" panose="020B0503020204020204" pitchFamily="34" charset="-122"/>
-              <a:ea typeface="微软雅黑" panose="020B0503020204020204" pitchFamily="34" charset="-122"/>
-            </a:endParaRPr>
           </a:p>
         </p:txBody>
       </p:sp>
@@ -14221,16 +13783,6 @@
               </a:rPr>
               <a:t>梅议文进行后台逻辑设计，参与代码实现</a:t>
             </a:r>
-            <a:endParaRPr lang="zh-CN" altLang="en-US" sz="1200" dirty="0">
-              <a:solidFill>
-                <a:schemeClr val="tx1">
-                  <a:lumMod val="75000"/>
-                  <a:lumOff val="25000"/>
-                </a:schemeClr>
-              </a:solidFill>
-              <a:latin typeface="微软雅黑" panose="020B0503020204020204" pitchFamily="34" charset="-122"/>
-              <a:ea typeface="微软雅黑" panose="020B0503020204020204" pitchFamily="34" charset="-122"/>
-            </a:endParaRPr>
           </a:p>
         </p:txBody>
       </p:sp>
@@ -14426,16 +13978,6 @@
               </a:rPr>
               <a:t>两人一起完成数据库设计构建，并完善</a:t>
             </a:r>
-            <a:endParaRPr lang="zh-CN" altLang="en-US" sz="1200" dirty="0">
-              <a:solidFill>
-                <a:schemeClr val="tx1">
-                  <a:lumMod val="75000"/>
-                  <a:lumOff val="25000"/>
-                </a:schemeClr>
-              </a:solidFill>
-              <a:latin typeface="微软雅黑" panose="020B0503020204020204" pitchFamily="34" charset="-122"/>
-              <a:ea typeface="微软雅黑" panose="020B0503020204020204" pitchFamily="34" charset="-122"/>
-            </a:endParaRPr>
           </a:p>
         </p:txBody>
       </p:sp>
@@ -14717,16 +14259,6 @@
               </a:rPr>
               <a:t>制作，两人一起完成项目文档，整理相关文件，完成任务</a:t>
             </a:r>
-            <a:endParaRPr lang="zh-CN" altLang="en-US" sz="1200" dirty="0">
-              <a:solidFill>
-                <a:schemeClr val="tx1">
-                  <a:lumMod val="75000"/>
-                  <a:lumOff val="25000"/>
-                </a:schemeClr>
-              </a:solidFill>
-              <a:latin typeface="微软雅黑" panose="020B0503020204020204" pitchFamily="34" charset="-122"/>
-              <a:ea typeface="微软雅黑" panose="020B0503020204020204" pitchFamily="34" charset="-122"/>
-            </a:endParaRPr>
           </a:p>
         </p:txBody>
       </p:sp>
@@ -14735,14 +14267,6 @@
   <p:clrMapOvr>
     <a:masterClrMapping/>
   </p:clrMapOvr>
-  <mc:AlternateContent xmlns:mc="http://schemas.openxmlformats.org/markup-compatibility/2006">
-    <mc:Choice xmlns:p14="http://schemas.microsoft.com/office/powerpoint/2010/main" Requires="p14">
-      <p:transition spd="slow" p14:dur="2000"/>
-    </mc:Choice>
-    <mc:Fallback>
-      <p:transition spd="slow"/>
-    </mc:Fallback>
-  </mc:AlternateContent>
 </p:sld>
 </file>
 
@@ -14818,7 +14342,6 @@
               <a:rPr kumimoji="1" lang="zh-CN" altLang="en-US" dirty="0"/>
               <a:t>系统主要功能</a:t>
             </a:r>
-            <a:endParaRPr kumimoji="1" lang="zh-CN" altLang="en-US" dirty="0"/>
           </a:p>
           <a:p>
             <a:endParaRPr kumimoji="1" lang="zh-CN" altLang="en-US" dirty="0"/>
@@ -14830,14 +14353,6 @@
   <p:clrMapOvr>
     <a:masterClrMapping/>
   </p:clrMapOvr>
-  <mc:AlternateContent xmlns:mc="http://schemas.openxmlformats.org/markup-compatibility/2006">
-    <mc:Choice xmlns:p14="http://schemas.microsoft.com/office/powerpoint/2010/main" Requires="p14">
-      <p:transition spd="slow" p14:dur="2000"/>
-    </mc:Choice>
-    <mc:Fallback>
-      <p:transition spd="slow"/>
-    </mc:Fallback>
-  </mc:AlternateContent>
 </p:sld>
 </file>
 
@@ -14889,14 +14404,6 @@
               </a:rPr>
               <a:t>图书电商管理系统</a:t>
             </a:r>
-            <a:endParaRPr kumimoji="1" lang="zh-CN" altLang="en-US" sz="2800" dirty="0">
-              <a:solidFill>
-                <a:schemeClr val="accent2"/>
-              </a:solidFill>
-              <a:latin typeface="微软雅黑" panose="020B0503020204020204" pitchFamily="34" charset="-122"/>
-              <a:ea typeface="微软雅黑" panose="020B0503020204020204" pitchFamily="34" charset="-122"/>
-              <a:cs typeface="微软雅黑" panose="020B0503020204020204" pitchFamily="34" charset="-122"/>
-            </a:endParaRPr>
           </a:p>
         </p:txBody>
       </p:sp>
@@ -15052,7 +14559,6 @@
               <a:rPr lang="zh-CN" altLang="en-US" sz="6600" dirty="0"/>
               <a:t>谢谢大家！</a:t>
             </a:r>
-            <a:endParaRPr lang="zh-CN" altLang="en-US" sz="6600" dirty="0"/>
           </a:p>
         </p:txBody>
       </p:sp>
@@ -15061,14 +14567,6 @@
   <p:clrMapOvr>
     <a:masterClrMapping/>
   </p:clrMapOvr>
-  <mc:AlternateContent xmlns:mc="http://schemas.openxmlformats.org/markup-compatibility/2006">
-    <mc:Choice xmlns:p14="http://schemas.microsoft.com/office/powerpoint/2010/main" Requires="p14">
-      <p:transition spd="slow" p14:dur="2000"/>
-    </mc:Choice>
-    <mc:Fallback>
-      <p:transition spd="slow"/>
-    </mc:Fallback>
-  </mc:AlternateContent>
 </p:sld>
 </file>
 
@@ -15113,7 +14611,6 @@
               <a:rPr kumimoji="1" lang="zh-CN" altLang="en-US" dirty="0"/>
               <a:t>系统主要功能</a:t>
             </a:r>
-            <a:endParaRPr kumimoji="1" lang="zh-CN" altLang="en-US" dirty="0"/>
           </a:p>
         </p:txBody>
       </p:sp>
@@ -15781,12 +15278,6 @@
               </a:rPr>
               <a:t>用户信息管理</a:t>
             </a:r>
-            <a:endParaRPr lang="zh-CN" altLang="en-US" b="1" dirty="0">
-              <a:solidFill>
-                <a:schemeClr val="bg1"/>
-              </a:solidFill>
-              <a:ea typeface="微软雅黑" panose="020B0503020204020204" pitchFamily="34" charset="-122"/>
-            </a:endParaRPr>
           </a:p>
         </p:txBody>
       </p:sp>
@@ -15821,12 +15312,6 @@
               </a:rPr>
               <a:t>商品出售管理</a:t>
             </a:r>
-            <a:endParaRPr lang="zh-CN" altLang="en-US" b="1" dirty="0">
-              <a:solidFill>
-                <a:schemeClr val="bg1"/>
-              </a:solidFill>
-              <a:ea typeface="微软雅黑" panose="020B0503020204020204" pitchFamily="34" charset="-122"/>
-            </a:endParaRPr>
           </a:p>
         </p:txBody>
       </p:sp>
@@ -15861,12 +15346,6 @@
               </a:rPr>
               <a:t>购物下单管理</a:t>
             </a:r>
-            <a:endParaRPr lang="zh-CN" altLang="en-US" b="1" dirty="0">
-              <a:solidFill>
-                <a:schemeClr val="bg1"/>
-              </a:solidFill>
-              <a:ea typeface="微软雅黑" panose="020B0503020204020204" pitchFamily="34" charset="-122"/>
-            </a:endParaRPr>
           </a:p>
         </p:txBody>
       </p:sp>
@@ -15901,12 +15380,6 @@
               </a:rPr>
               <a:t>反馈评价管理</a:t>
             </a:r>
-            <a:endParaRPr lang="zh-CN" altLang="en-US" b="1" dirty="0">
-              <a:solidFill>
-                <a:schemeClr val="bg1"/>
-              </a:solidFill>
-              <a:ea typeface="微软雅黑" panose="020B0503020204020204" pitchFamily="34" charset="-122"/>
-            </a:endParaRPr>
           </a:p>
         </p:txBody>
       </p:sp>
@@ -15949,16 +15422,6 @@
               </a:rPr>
               <a:t>用户会员初次登陆需录入个人信息，平台管理员将更新用户信息表，并对其进行管理。基本信息录入完成后平台为用户创建一个会员账号，可用于后续登录、浏览、订购等操作。另外，在正式购买前，用户还需录入收货地址信息，也将由平台进行地址管理</a:t>
             </a:r>
-            <a:endParaRPr lang="zh-CN" altLang="en-US" sz="1200" dirty="0">
-              <a:solidFill>
-                <a:schemeClr val="tx1">
-                  <a:lumMod val="75000"/>
-                  <a:lumOff val="25000"/>
-                </a:schemeClr>
-              </a:solidFill>
-              <a:latin typeface="微软雅黑" panose="020B0503020204020204" pitchFamily="34" charset="-122"/>
-              <a:ea typeface="微软雅黑" panose="020B0503020204020204" pitchFamily="34" charset="-122"/>
-            </a:endParaRPr>
           </a:p>
         </p:txBody>
       </p:sp>
@@ -16031,16 +15494,6 @@
               </a:rPr>
               <a:t>用户正常登录后，便可按不同分类标准选择浏览平台内出售的商品信息。</a:t>
             </a:r>
-            <a:endParaRPr lang="zh-CN" altLang="en-US" sz="1200" dirty="0">
-              <a:solidFill>
-                <a:schemeClr val="tx1">
-                  <a:lumMod val="75000"/>
-                  <a:lumOff val="25000"/>
-                </a:schemeClr>
-              </a:solidFill>
-              <a:latin typeface="微软雅黑" panose="020B0503020204020204" pitchFamily="34" charset="-122"/>
-              <a:ea typeface="微软雅黑" panose="020B0503020204020204" pitchFamily="34" charset="-122"/>
-            </a:endParaRPr>
           </a:p>
         </p:txBody>
       </p:sp>
@@ -16083,16 +15536,6 @@
               </a:rPr>
               <a:t>用户可进行购买商品图书的下单操作，平台管理员将相关信息录入订单信息表，生成订单信息，按订单进行发货处理。当交易完成后，用户个人消费金额将会更新。</a:t>
             </a:r>
-            <a:endParaRPr lang="zh-CN" altLang="en-US" sz="1200" dirty="0">
-              <a:solidFill>
-                <a:schemeClr val="tx1">
-                  <a:lumMod val="75000"/>
-                  <a:lumOff val="25000"/>
-                </a:schemeClr>
-              </a:solidFill>
-              <a:latin typeface="微软雅黑" panose="020B0503020204020204" pitchFamily="34" charset="-122"/>
-              <a:ea typeface="微软雅黑" panose="020B0503020204020204" pitchFamily="34" charset="-122"/>
-            </a:endParaRPr>
           </a:p>
         </p:txBody>
       </p:sp>
@@ -16135,16 +15578,6 @@
               </a:rPr>
               <a:t>用户进行购物操作后，可对商品及购买过程进行评价反馈，其评价信息将通过平台管理员的评价管理录入评价表内，对商品信息进行更新。该用户及后续浏览的用户均可查看相关评价内容。</a:t>
             </a:r>
-            <a:endParaRPr lang="zh-CN" altLang="en-US" sz="1200" dirty="0">
-              <a:solidFill>
-                <a:schemeClr val="tx1">
-                  <a:lumMod val="75000"/>
-                  <a:lumOff val="25000"/>
-                </a:schemeClr>
-              </a:solidFill>
-              <a:latin typeface="微软雅黑" panose="020B0503020204020204" pitchFamily="34" charset="-122"/>
-              <a:ea typeface="微软雅黑" panose="020B0503020204020204" pitchFamily="34" charset="-122"/>
-            </a:endParaRPr>
           </a:p>
         </p:txBody>
       </p:sp>
@@ -16153,14 +15586,6 @@
   <p:clrMapOvr>
     <a:masterClrMapping/>
   </p:clrMapOvr>
-  <mc:AlternateContent xmlns:mc="http://schemas.openxmlformats.org/markup-compatibility/2006">
-    <mc:Choice xmlns:p14="http://schemas.microsoft.com/office/powerpoint/2010/main" Requires="p14">
-      <p:transition spd="slow" p14:dur="2000"/>
-    </mc:Choice>
-    <mc:Fallback>
-      <p:transition spd="slow"/>
-    </mc:Fallback>
-  </mc:AlternateContent>
 </p:sld>
 </file>
 
@@ -16231,7 +15656,6 @@
               <a:rPr kumimoji="1" lang="zh-CN" altLang="en-US" dirty="0"/>
               <a:t>数据流图</a:t>
             </a:r>
-            <a:endParaRPr kumimoji="1" lang="zh-CN" altLang="en-US" dirty="0"/>
           </a:p>
         </p:txBody>
       </p:sp>
@@ -16240,14 +15664,6 @@
   <p:clrMapOvr>
     <a:masterClrMapping/>
   </p:clrMapOvr>
-  <mc:AlternateContent xmlns:mc="http://schemas.openxmlformats.org/markup-compatibility/2006">
-    <mc:Choice xmlns:p14="http://schemas.microsoft.com/office/powerpoint/2010/main" Requires="p14">
-      <p:transition spd="slow" p14:dur="2000"/>
-    </mc:Choice>
-    <mc:Fallback>
-      <p:transition spd="slow"/>
-    </mc:Fallback>
-  </mc:AlternateContent>
 </p:sld>
 </file>
 
@@ -16303,7 +15719,6 @@
               <a:rPr kumimoji="1" lang="zh-CN" altLang="en-US" dirty="0"/>
               <a:t>层</a:t>
             </a:r>
-            <a:endParaRPr kumimoji="1" lang="zh-CN" altLang="en-US" dirty="0"/>
           </a:p>
         </p:txBody>
       </p:sp>
@@ -16316,11 +15731,11 @@
           <p:nvPr/>
         </p:nvPicPr>
         <p:blipFill>
-          <a:blip r:embed="rId1">
+          <a:blip r:embed="rId3">
             <a:extLst>
               <a:ext uri="{BEBA8EAE-BF5A-486C-A8C5-ECC9F3942E4B}">
                 <a14:imgProps xmlns:a14="http://schemas.microsoft.com/office/drawing/2010/main">
-                  <a14:imgLayer r:embed="rId2">
+                  <a14:imgLayer r:embed="rId4">
                     <a14:imgEffect>
                       <a14:backgroundRemoval t="10000" b="96528" l="10000" r="90000"/>
                     </a14:imgEffect>
@@ -16359,7 +15774,7 @@
           <p:nvPr/>
         </p:nvPicPr>
         <p:blipFill>
-          <a:blip r:embed="rId3"/>
+          <a:blip r:embed="rId5"/>
           <a:stretch>
             <a:fillRect/>
           </a:stretch>
@@ -16379,14 +15794,6 @@
   <p:clrMapOvr>
     <a:masterClrMapping/>
   </p:clrMapOvr>
-  <mc:AlternateContent xmlns:mc="http://schemas.openxmlformats.org/markup-compatibility/2006">
-    <mc:Choice xmlns:p14="http://schemas.microsoft.com/office/powerpoint/2010/main" Requires="p14">
-      <p:transition spd="slow" p14:dur="2000"/>
-    </mc:Choice>
-    <mc:Fallback>
-      <p:transition spd="slow"/>
-    </mc:Fallback>
-  </mc:AlternateContent>
 </p:sld>
 </file>
 
@@ -16447,62 +15854,12 @@
               <a:rPr kumimoji="1" lang="zh-CN" altLang="en-US" dirty="0"/>
               <a:t>层</a:t>
             </a:r>
-            <a:endParaRPr kumimoji="1" lang="zh-CN" altLang="en-US" dirty="0"/>
           </a:p>
         </p:txBody>
       </p:sp>
       <p:pic>
         <p:nvPicPr>
           <p:cNvPr id="11" name="图片 10"/>
-          <p:cNvPicPr>
-            <a:picLocks noChangeAspect="1"/>
-          </p:cNvPicPr>
-          <p:nvPr/>
-        </p:nvPicPr>
-        <p:blipFill>
-          <a:blip r:embed="rId1"/>
-          <a:stretch>
-            <a:fillRect/>
-          </a:stretch>
-        </p:blipFill>
-        <p:spPr>
-          <a:xfrm>
-            <a:off x="0" y="1628318"/>
-            <a:ext cx="6364012" cy="3529866"/>
-          </a:xfrm>
-          <a:prstGeom prst="rect">
-            <a:avLst/>
-          </a:prstGeom>
-        </p:spPr>
-      </p:pic>
-      <p:pic>
-        <p:nvPicPr>
-          <p:cNvPr id="12" name="图片 11"/>
-          <p:cNvPicPr>
-            <a:picLocks noChangeAspect="1"/>
-          </p:cNvPicPr>
-          <p:nvPr/>
-        </p:nvPicPr>
-        <p:blipFill rotWithShape="1">
-          <a:blip r:embed="rId2"/>
-          <a:srcRect b="2911"/>
-          <a:stretch>
-            <a:fillRect/>
-          </a:stretch>
-        </p:blipFill>
-        <p:spPr>
-          <a:xfrm>
-            <a:off x="5861957" y="331927"/>
-            <a:ext cx="6203836" cy="3025575"/>
-          </a:xfrm>
-          <a:prstGeom prst="rect">
-            <a:avLst/>
-          </a:prstGeom>
-        </p:spPr>
-      </p:pic>
-      <p:pic>
-        <p:nvPicPr>
-          <p:cNvPr id="5" name="图片 4"/>
           <p:cNvPicPr>
             <a:picLocks noChangeAspect="1"/>
           </p:cNvPicPr>
@@ -16516,6 +15873,55 @@
         </p:blipFill>
         <p:spPr>
           <a:xfrm>
+            <a:off x="0" y="1628318"/>
+            <a:ext cx="6364012" cy="3529866"/>
+          </a:xfrm>
+          <a:prstGeom prst="rect">
+            <a:avLst/>
+          </a:prstGeom>
+        </p:spPr>
+      </p:pic>
+      <p:pic>
+        <p:nvPicPr>
+          <p:cNvPr id="12" name="图片 11"/>
+          <p:cNvPicPr>
+            <a:picLocks noChangeAspect="1"/>
+          </p:cNvPicPr>
+          <p:nvPr/>
+        </p:nvPicPr>
+        <p:blipFill rotWithShape="1">
+          <a:blip r:embed="rId4"/>
+          <a:srcRect b="2911"/>
+          <a:stretch>
+            <a:fillRect/>
+          </a:stretch>
+        </p:blipFill>
+        <p:spPr>
+          <a:xfrm>
+            <a:off x="5861957" y="331927"/>
+            <a:ext cx="6203836" cy="3025575"/>
+          </a:xfrm>
+          <a:prstGeom prst="rect">
+            <a:avLst/>
+          </a:prstGeom>
+        </p:spPr>
+      </p:pic>
+      <p:pic>
+        <p:nvPicPr>
+          <p:cNvPr id="5" name="图片 4"/>
+          <p:cNvPicPr>
+            <a:picLocks noChangeAspect="1"/>
+          </p:cNvPicPr>
+          <p:nvPr/>
+        </p:nvPicPr>
+        <p:blipFill>
+          <a:blip r:embed="rId5"/>
+          <a:stretch>
+            <a:fillRect/>
+          </a:stretch>
+        </p:blipFill>
+        <p:spPr>
+          <a:xfrm>
             <a:off x="6525394" y="3429000"/>
             <a:ext cx="5252357" cy="2705954"/>
           </a:xfrm>
@@ -16529,14 +15935,6 @@
   <p:clrMapOvr>
     <a:masterClrMapping/>
   </p:clrMapOvr>
-  <mc:AlternateContent xmlns:mc="http://schemas.openxmlformats.org/markup-compatibility/2006">
-    <mc:Choice xmlns:p14="http://schemas.microsoft.com/office/powerpoint/2010/main" Requires="p14">
-      <p:transition spd="slow" p14:dur="2000"/>
-    </mc:Choice>
-    <mc:Fallback>
-      <p:transition spd="slow"/>
-    </mc:Fallback>
-  </mc:AlternateContent>
 </p:sld>
 </file>
 
@@ -16597,7 +15995,6 @@
               <a:rPr kumimoji="1" lang="zh-CN" altLang="en-US" dirty="0"/>
               <a:t>层</a:t>
             </a:r>
-            <a:endParaRPr kumimoji="1" lang="zh-CN" altLang="en-US" dirty="0"/>
           </a:p>
         </p:txBody>
       </p:sp>
@@ -16610,7 +16007,7 @@
           <p:nvPr/>
         </p:nvPicPr>
         <p:blipFill rotWithShape="1">
-          <a:blip r:embed="rId1"/>
+          <a:blip r:embed="rId3"/>
           <a:srcRect l="1590" t="8667" r="1284" b="3159"/>
           <a:stretch>
             <a:fillRect/>
@@ -16635,7 +16032,7 @@
           <p:nvPr/>
         </p:nvPicPr>
         <p:blipFill>
-          <a:blip r:embed="rId2"/>
+          <a:blip r:embed="rId4"/>
           <a:stretch>
             <a:fillRect/>
           </a:stretch>
@@ -16655,14 +16052,6 @@
   <p:clrMapOvr>
     <a:masterClrMapping/>
   </p:clrMapOvr>
-  <mc:AlternateContent xmlns:mc="http://schemas.openxmlformats.org/markup-compatibility/2006">
-    <mc:Choice xmlns:p14="http://schemas.microsoft.com/office/powerpoint/2010/main" Requires="p14">
-      <p:transition spd="slow" p14:dur="2000"/>
-    </mc:Choice>
-    <mc:Fallback>
-      <p:transition spd="slow"/>
-    </mc:Fallback>
-  </mc:AlternateContent>
 </p:sld>
 </file>
 
@@ -16741,7 +16130,6 @@
               <a:rPr kumimoji="1" lang="zh-CN" altLang="en-US" dirty="0"/>
               <a:t>图</a:t>
             </a:r>
-            <a:endParaRPr kumimoji="1" lang="zh-CN" altLang="en-US" dirty="0"/>
           </a:p>
         </p:txBody>
       </p:sp>
@@ -16750,14 +16138,6 @@
   <p:clrMapOvr>
     <a:masterClrMapping/>
   </p:clrMapOvr>
-  <mc:AlternateContent xmlns:mc="http://schemas.openxmlformats.org/markup-compatibility/2006">
-    <mc:Choice xmlns:p14="http://schemas.microsoft.com/office/powerpoint/2010/main" Requires="p14">
-      <p:transition spd="slow" p14:dur="2000"/>
-    </mc:Choice>
-    <mc:Fallback>
-      <p:transition spd="slow"/>
-    </mc:Fallback>
-  </mc:AlternateContent>
 </p:sld>
 </file>
 
@@ -16810,7 +16190,6 @@
               <a:rPr kumimoji="1" lang="zh-CN" altLang="en-US" dirty="0"/>
               <a:t>图</a:t>
             </a:r>
-            <a:endParaRPr kumimoji="1" lang="zh-CN" altLang="en-US" dirty="0"/>
           </a:p>
         </p:txBody>
       </p:sp>
@@ -16823,11 +16202,11 @@
           <p:nvPr/>
         </p:nvPicPr>
         <p:blipFill>
-          <a:blip r:embed="rId1">
+          <a:blip r:embed="rId3">
             <a:extLst>
               <a:ext uri="{BEBA8EAE-BF5A-486C-A8C5-ECC9F3942E4B}">
                 <a14:imgProps xmlns:a14="http://schemas.microsoft.com/office/drawing/2010/main">
-                  <a14:imgLayer r:embed="rId2">
+                  <a14:imgLayer r:embed="rId4">
                     <a14:imgEffect>
                       <a14:backgroundRemoval t="10000" b="96528" l="10000" r="90000"/>
                     </a14:imgEffect>
@@ -16866,7 +16245,7 @@
           <p:nvPr/>
         </p:nvPicPr>
         <p:blipFill>
-          <a:blip r:embed="rId3"/>
+          <a:blip r:embed="rId5"/>
           <a:stretch>
             <a:fillRect/>
           </a:stretch>
@@ -16886,33 +16265,11 @@
   <p:clrMapOvr>
     <a:masterClrMapping/>
   </p:clrMapOvr>
-  <mc:AlternateContent xmlns:mc="http://schemas.openxmlformats.org/markup-compatibility/2006">
-    <mc:Choice xmlns:p14="http://schemas.microsoft.com/office/powerpoint/2010/main" Requires="p14">
-      <p:transition spd="slow" p14:dur="2000"/>
-    </mc:Choice>
-    <mc:Fallback>
-      <p:transition spd="slow"/>
-    </mc:Fallback>
-  </mc:AlternateContent>
 </p:sld>
 </file>
 
 <file path=ppt/tags/tag1.xml><?xml version="1.0" encoding="utf-8"?>
-<p:tagLst xmlns:p="http://schemas.openxmlformats.org/presentationml/2006/main">
-  <p:tag name="KSO_WM_MEDIACOVER_FLAG" val="1"/>
-  <p:tag name="KSO_WM_UNIT_MEDIACOVER_BTN_STATE" val="1"/>
-  <p:tag name="KSO_WM_UNIT_MEDIACOVER_BTNRECT" val="9370*4970*459*459"/>
-  <p:tag name="KSO_WM_UNIT_MEDIACOVER_STYLEID" val="1"/>
-  <p:tag name="KSO_WM_UNIT_MEDIACOVER_TEXTSTATE" val="0"/>
-  <p:tag name="KSO_WM_UNIT_MEDIACOVER_BTN_POS" val="c"/>
-  <p:tag name="KSO_WM_UNIT_MEDIACOVER_BTN_STYLE" val="ee0bc779c1f3d7f3e90c96344320e69a"/>
-  <p:tag name="KSO_WM_UNIT_MEDIACOVER_RGB" val="000000"/>
-  <p:tag name="KSO_WM_UNIT_MEDIACOVER_TRANSPARENCY" val="0.5"/>
-</p:tagLst>
-</file>
-
-<file path=ppt/tags/tag2.xml><?xml version="1.0" encoding="utf-8"?>
-<p:tagLst xmlns:p="http://schemas.openxmlformats.org/presentationml/2006/main">
+<p:tagLst xmlns:a="http://schemas.openxmlformats.org/drawingml/2006/main" xmlns:r="http://schemas.openxmlformats.org/officeDocument/2006/relationships" xmlns:p="http://schemas.openxmlformats.org/presentationml/2006/main">
   <p:tag name="COMMONDATA" val="eyJoZGlkIjoiZDdkOTI1ZmUzYjM5YTYzNmZhMmRlMDEyZjE0YTVhMGEifQ=="/>
 </p:tagLst>
 </file>
@@ -17172,6 +16529,7 @@
       </a:lstStyle>
     </a:txDef>
   </a:objectDefaults>
+  <a:extraClrSchemeLst/>
   <a:extLst>
     <a:ext uri="{05A4C25C-085E-4340-85A3-A5531E510DB2}">
       <thm15:themeFamily xmlns:thm15="http://schemas.microsoft.com/office/thememl/2012/main" name="Office Theme" id="{62F939B6-93AF-4DB8-9C6B-D6C7DFDC589F}" vid="{4A3C46E8-61CC-4603-A589-7422A47A8E4A}"/>
@@ -17431,6 +16789,8 @@
       </a:bgFillStyleLst>
     </a:fmtScheme>
   </a:themeElements>
+  <a:objectDefaults/>
+  <a:extraClrSchemeLst/>
   <a:extLst>
     <a:ext uri="{05A4C25C-085E-4340-85A3-A5531E510DB2}">
       <thm15:themeFamily xmlns:thm15="http://schemas.microsoft.com/office/thememl/2012/main" name="Office Theme" id="{62F939B6-93AF-4DB8-9C6B-D6C7DFDC589F}" vid="{4A3C46E8-61CC-4603-A589-7422A47A8E4A}"/>
@@ -17690,6 +17050,8 @@
       </a:bgFillStyleLst>
     </a:fmtScheme>
   </a:themeElements>
+  <a:objectDefaults/>
+  <a:extraClrSchemeLst/>
   <a:extLst>
     <a:ext uri="{05A4C25C-085E-4340-85A3-A5531E510DB2}">
       <thm15:themeFamily xmlns:thm15="http://schemas.microsoft.com/office/thememl/2012/main" name="Office Theme" id="{62F939B6-93AF-4DB8-9C6B-D6C7DFDC589F}" vid="{4A3C46E8-61CC-4603-A589-7422A47A8E4A}"/>
